--- a/project.pptx
+++ b/project.pptx
@@ -271,6 +271,11 @@
       </a:defRPr>
     </a:lvl9pPr>
   </p:defaultTextStyle>
+  <p:extLst>
+    <p:ext uri="{EFAFB233-063F-42B5-8137-9DF3F51BA10A}">
+      <p15:sldGuideLst xmlns:p15="http://schemas.microsoft.com/office/powerpoint/2012/main"/>
+    </p:ext>
+  </p:extLst>
 </p:presentation>
 </file>
 
@@ -807,7 +812,7 @@
               </a:spcAft>
               <a:buNone/>
             </a:pPr>
-            <a:endParaRPr/>
+            <a:endParaRPr dirty="0"/>
           </a:p>
         </p:txBody>
       </p:sp>
@@ -911,7 +916,7 @@
               </a:spcAft>
               <a:buNone/>
             </a:pPr>
-            <a:endParaRPr/>
+            <a:endParaRPr dirty="0"/>
           </a:p>
         </p:txBody>
       </p:sp>
@@ -1015,7 +1020,7 @@
               </a:spcAft>
               <a:buNone/>
             </a:pPr>
-            <a:endParaRPr/>
+            <a:endParaRPr dirty="0"/>
           </a:p>
         </p:txBody>
       </p:sp>
@@ -1124,7 +1129,7 @@
               </a:spcAft>
               <a:buNone/>
             </a:pPr>
-            <a:endParaRPr/>
+            <a:endParaRPr dirty="0"/>
           </a:p>
         </p:txBody>
       </p:sp>
@@ -1233,7 +1238,7 @@
               </a:spcAft>
               <a:buNone/>
             </a:pPr>
-            <a:endParaRPr/>
+            <a:endParaRPr dirty="0"/>
           </a:p>
         </p:txBody>
       </p:sp>
@@ -1342,7 +1347,7 @@
               </a:spcAft>
               <a:buNone/>
             </a:pPr>
-            <a:endParaRPr/>
+            <a:endParaRPr dirty="0"/>
           </a:p>
         </p:txBody>
       </p:sp>
@@ -1446,7 +1451,7 @@
               </a:spcAft>
               <a:buNone/>
             </a:pPr>
-            <a:endParaRPr/>
+            <a:endParaRPr dirty="0"/>
           </a:p>
         </p:txBody>
       </p:sp>
@@ -1550,7 +1555,7 @@
               </a:spcAft>
               <a:buNone/>
             </a:pPr>
-            <a:endParaRPr/>
+            <a:endParaRPr dirty="0"/>
           </a:p>
         </p:txBody>
       </p:sp>
@@ -1659,7 +1664,7 @@
               </a:spcAft>
               <a:buNone/>
             </a:pPr>
-            <a:endParaRPr/>
+            <a:endParaRPr dirty="0"/>
           </a:p>
         </p:txBody>
       </p:sp>
@@ -1887,7 +1892,7 @@
               </a:spcAft>
               <a:buNone/>
             </a:pPr>
-            <a:endParaRPr/>
+            <a:endParaRPr dirty="0"/>
           </a:p>
         </p:txBody>
       </p:sp>
@@ -2249,7 +2254,7 @@
               <a:rPr lang="en"/>
               <a:t>‹#›</a:t>
             </a:fld>
-            <a:endParaRPr/>
+            <a:endParaRPr dirty="0"/>
           </a:p>
         </p:txBody>
       </p:sp>
@@ -2321,7 +2326,7 @@
               </a:spcAft>
               <a:buNone/>
             </a:pPr>
-            <a:endParaRPr/>
+            <a:endParaRPr dirty="0"/>
           </a:p>
         </p:txBody>
       </p:sp>
@@ -2418,7 +2423,7 @@
               </a:spcAft>
               <a:buNone/>
             </a:pPr>
-            <a:endParaRPr/>
+            <a:endParaRPr dirty="0"/>
           </a:p>
         </p:txBody>
       </p:sp>
@@ -2651,7 +2656,7 @@
               </a:rPr>
               <a:t>“</a:t>
             </a:r>
-            <a:endParaRPr sz="4800" b="1">
+            <a:endParaRPr sz="4800" b="1" dirty="0">
               <a:solidFill>
                 <a:schemeClr val="accent1"/>
               </a:solidFill>
@@ -2774,7 +2779,7 @@
               <a:rPr lang="en"/>
               <a:t>‹#›</a:t>
             </a:fld>
-            <a:endParaRPr/>
+            <a:endParaRPr dirty="0"/>
           </a:p>
         </p:txBody>
       </p:sp>
@@ -3265,7 +3270,7 @@
               <a:rPr lang="en"/>
               <a:t>‹#›</a:t>
             </a:fld>
-            <a:endParaRPr/>
+            <a:endParaRPr dirty="0"/>
           </a:p>
         </p:txBody>
       </p:sp>
@@ -3337,7 +3342,7 @@
               </a:spcAft>
               <a:buNone/>
             </a:pPr>
-            <a:endParaRPr/>
+            <a:endParaRPr dirty="0"/>
           </a:p>
         </p:txBody>
       </p:sp>
@@ -3383,7 +3388,7 @@
               </a:spcAft>
               <a:buNone/>
             </a:pPr>
-            <a:endParaRPr/>
+            <a:endParaRPr dirty="0"/>
           </a:p>
         </p:txBody>
       </p:sp>
@@ -3487,7 +3492,7 @@
               <a:rPr lang="en"/>
               <a:t>‹#›</a:t>
             </a:fld>
-            <a:endParaRPr/>
+            <a:endParaRPr dirty="0"/>
           </a:p>
         </p:txBody>
       </p:sp>
@@ -3559,7 +3564,7 @@
               </a:spcAft>
               <a:buNone/>
             </a:pPr>
-            <a:endParaRPr/>
+            <a:endParaRPr dirty="0"/>
           </a:p>
         </p:txBody>
       </p:sp>
@@ -4229,7 +4234,7 @@
               <a:rPr lang="en"/>
               <a:t>‹#›</a:t>
             </a:fld>
-            <a:endParaRPr/>
+            <a:endParaRPr dirty="0"/>
           </a:p>
         </p:txBody>
       </p:sp>
@@ -4991,10 +4996,10 @@
               <a:buNone/>
             </a:pPr>
             <a:r>
-              <a:rPr lang="en" dirty="0"/>
-              <a:t>Prevention of security breaches caused by SQL Injections</a:t>
+              <a:rPr lang="en" sz="6600" dirty="0"/>
+              <a:t>Prayosha</a:t>
             </a:r>
-            <a:endParaRPr dirty="0"/>
+            <a:endParaRPr sz="6600" dirty="0"/>
           </a:p>
         </p:txBody>
       </p:sp>
@@ -5088,13 +5093,13 @@
   <p:clrMapOvr>
     <a:masterClrMapping/>
   </p:clrMapOvr>
-  <mc:AlternateContent xmlns:mc="http://schemas.openxmlformats.org/markup-compatibility/2006">
-    <mc:Choice xmlns:p159="http://schemas.microsoft.com/office/powerpoint/2015/09/main" Requires="p159">
+  <mc:AlternateContent xmlns:mc="http://schemas.openxmlformats.org/markup-compatibility/2006" xmlns:p159="http://schemas.microsoft.com/office/powerpoint/2015/09/main">
+    <mc:Choice Requires="p159">
       <p:transition xmlns:p14="http://schemas.microsoft.com/office/powerpoint/2010/main" spd="slow" p14:dur="2000">
         <p159:morph option="byObject"/>
       </p:transition>
     </mc:Choice>
-    <mc:Fallback>
+    <mc:Fallback xmlns="">
       <p:transition spd="slow">
         <p:fade/>
       </p:transition>
@@ -6561,7 +6566,7 @@
                 <a:cs typeface="Quicksand"/>
                 <a:sym typeface="Quicksand"/>
               </a:rPr>
-              <a:t>Prevention of Security breaches caused by SQL Injections</a:t>
+              <a:t>Prayosha</a:t>
             </a:r>
             <a:endParaRPr sz="1600" dirty="0">
               <a:solidFill>
@@ -6692,31 +6697,7 @@
                 <a:effectLst/>
                 <a:latin typeface="Söhne"/>
               </a:rPr>
-              <a:t>Web app for </a:t>
-            </a:r>
-            <a:r>
-              <a:rPr lang="en-GB" sz="2000" b="0" i="0" dirty="0" err="1">
-                <a:solidFill>
-                  <a:schemeClr val="bg1">
-                    <a:lumMod val="85000"/>
-                  </a:schemeClr>
-                </a:solidFill>
-                <a:effectLst/>
-                <a:latin typeface="Söhne"/>
-              </a:rPr>
-              <a:t>Prayosha</a:t>
-            </a:r>
-            <a:r>
-              <a:rPr lang="en-GB" sz="2000" b="0" i="0" dirty="0">
-                <a:solidFill>
-                  <a:schemeClr val="bg1">
-                    <a:lumMod val="85000"/>
-                  </a:schemeClr>
-                </a:solidFill>
-                <a:effectLst/>
-                <a:latin typeface="Söhne"/>
-              </a:rPr>
-              <a:t>, a solar panel company, prevents SQL Injection attacks with parameterized queries, input validations, limited privileges, updates, firewalls, and user education. Ensures secure, reliable, error-free operations.</a:t>
+              <a:t>Web app for Prayosha, a solar panel company, prevents SQL Injection attacks with parameterized queries, input validations, limited privileges, updates, firewalls, and user education. Ensures secure, reliable, error-free operations.</a:t>
             </a:r>
           </a:p>
           <a:p>
@@ -6819,7 +6800,7 @@
               <a:rPr lang="en"/>
               <a:t>2</a:t>
             </a:fld>
-            <a:endParaRPr/>
+            <a:endParaRPr dirty="0"/>
           </a:p>
         </p:txBody>
       </p:sp>
@@ -6892,13 +6873,13 @@
   <p:clrMapOvr>
     <a:masterClrMapping/>
   </p:clrMapOvr>
-  <mc:AlternateContent xmlns:mc="http://schemas.openxmlformats.org/markup-compatibility/2006">
-    <mc:Choice xmlns:p159="http://schemas.microsoft.com/office/powerpoint/2015/09/main" Requires="p159">
+  <mc:AlternateContent xmlns:mc="http://schemas.openxmlformats.org/markup-compatibility/2006" xmlns:p159="http://schemas.microsoft.com/office/powerpoint/2015/09/main">
+    <mc:Choice Requires="p159">
       <p:transition xmlns:p14="http://schemas.microsoft.com/office/powerpoint/2010/main" spd="slow" p14:dur="2000">
         <p159:morph option="byObject"/>
       </p:transition>
     </mc:Choice>
-    <mc:Fallback>
+    <mc:Fallback xmlns="">
       <p:transition spd="slow">
         <p:fade/>
       </p:transition>
@@ -7885,7 +7866,7 @@
               <a:rPr lang="en"/>
               <a:t>3</a:t>
             </a:fld>
-            <a:endParaRPr/>
+            <a:endParaRPr dirty="0"/>
           </a:p>
         </p:txBody>
       </p:sp>
@@ -7963,13 +7944,13 @@
   <p:clrMapOvr>
     <a:masterClrMapping/>
   </p:clrMapOvr>
-  <mc:AlternateContent xmlns:mc="http://schemas.openxmlformats.org/markup-compatibility/2006">
-    <mc:Choice xmlns:p159="http://schemas.microsoft.com/office/powerpoint/2015/09/main" Requires="p159">
+  <mc:AlternateContent xmlns:mc="http://schemas.openxmlformats.org/markup-compatibility/2006" xmlns:p159="http://schemas.microsoft.com/office/powerpoint/2015/09/main">
+    <mc:Choice Requires="p159">
       <p:transition xmlns:p14="http://schemas.microsoft.com/office/powerpoint/2010/main" spd="slow" p14:dur="2000">
         <p159:morph option="byObject"/>
       </p:transition>
     </mc:Choice>
-    <mc:Fallback>
+    <mc:Fallback xmlns="">
       <p:transition spd="slow">
         <p:fade/>
       </p:transition>
@@ -8084,18 +8065,6 @@
               <a:t>HTML: </a:t>
             </a:r>
             <a:r>
-              <a:rPr lang="en-GB" sz="1600" b="1" i="0" dirty="0" err="1">
-                <a:solidFill>
-                  <a:schemeClr val="bg1">
-                    <a:lumMod val="85000"/>
-                  </a:schemeClr>
-                </a:solidFill>
-                <a:effectLst/>
-                <a:latin typeface="Quicksand" panose="020B0604020202020204" charset="0"/>
-              </a:rPr>
-              <a:t>HyperText</a:t>
-            </a:r>
-            <a:r>
               <a:rPr lang="en-GB" sz="1600" b="1" i="0" dirty="0">
                 <a:solidFill>
                   <a:schemeClr val="bg1">
@@ -8105,7 +8074,7 @@
                 <a:effectLst/>
                 <a:latin typeface="Quicksand" panose="020B0604020202020204" charset="0"/>
               </a:rPr>
-              <a:t> Markup Language (HTML) is a shorthand for this language. Markup language is used to develop websites online.</a:t>
+              <a:t>HyperText Markup Language (HTML) is a shorthand for this language. Markup language is used to develop websites online.</a:t>
             </a:r>
           </a:p>
           <a:p>
@@ -8256,7 +8225,7 @@
               <a:rPr lang="en"/>
               <a:t>4</a:t>
             </a:fld>
-            <a:endParaRPr/>
+            <a:endParaRPr dirty="0"/>
           </a:p>
         </p:txBody>
       </p:sp>
@@ -8334,13 +8303,13 @@
   <p:clrMapOvr>
     <a:masterClrMapping/>
   </p:clrMapOvr>
-  <mc:AlternateContent xmlns:mc="http://schemas.openxmlformats.org/markup-compatibility/2006">
-    <mc:Choice xmlns:p159="http://schemas.microsoft.com/office/powerpoint/2015/09/main" Requires="p159">
+  <mc:AlternateContent xmlns:mc="http://schemas.openxmlformats.org/markup-compatibility/2006" xmlns:p159="http://schemas.microsoft.com/office/powerpoint/2015/09/main">
+    <mc:Choice Requires="p159">
       <p:transition xmlns:p14="http://schemas.microsoft.com/office/powerpoint/2010/main" spd="slow" p14:dur="2000">
         <p159:morph option="byObject"/>
       </p:transition>
     </mc:Choice>
-    <mc:Fallback>
+    <mc:Fallback xmlns="">
       <p:transition spd="slow">
         <p:fade/>
       </p:transition>
@@ -8564,7 +8533,7 @@
               <a:rPr lang="en"/>
               <a:t>5</a:t>
             </a:fld>
-            <a:endParaRPr/>
+            <a:endParaRPr dirty="0"/>
           </a:p>
         </p:txBody>
       </p:sp>
@@ -8640,13 +8609,13 @@
   <p:clrMapOvr>
     <a:masterClrMapping/>
   </p:clrMapOvr>
-  <mc:AlternateContent xmlns:mc="http://schemas.openxmlformats.org/markup-compatibility/2006">
-    <mc:Choice xmlns:p159="http://schemas.microsoft.com/office/powerpoint/2015/09/main" Requires="p159">
+  <mc:AlternateContent xmlns:mc="http://schemas.openxmlformats.org/markup-compatibility/2006" xmlns:p159="http://schemas.microsoft.com/office/powerpoint/2015/09/main">
+    <mc:Choice Requires="p159">
       <p:transition xmlns:p14="http://schemas.microsoft.com/office/powerpoint/2010/main" spd="slow" p14:dur="2000">
         <p159:morph option="byObject"/>
       </p:transition>
     </mc:Choice>
-    <mc:Fallback>
+    <mc:Fallback xmlns="">
       <p:transition spd="slow">
         <p:fade/>
       </p:transition>
@@ -8714,7 +8683,7 @@
               </a:spcAft>
               <a:buNone/>
             </a:pPr>
-            <a:endParaRPr/>
+            <a:endParaRPr dirty="0"/>
           </a:p>
         </p:txBody>
       </p:sp>
@@ -8870,7 +8839,7 @@
               <a:rPr lang="en"/>
               <a:t>6</a:t>
             </a:fld>
-            <a:endParaRPr/>
+            <a:endParaRPr dirty="0"/>
           </a:p>
         </p:txBody>
       </p:sp>
@@ -8941,13 +8910,13 @@
   <p:clrMapOvr>
     <a:masterClrMapping/>
   </p:clrMapOvr>
-  <mc:AlternateContent xmlns:mc="http://schemas.openxmlformats.org/markup-compatibility/2006">
-    <mc:Choice xmlns:p159="http://schemas.microsoft.com/office/powerpoint/2015/09/main" Requires="p159">
+  <mc:AlternateContent xmlns:mc="http://schemas.openxmlformats.org/markup-compatibility/2006" xmlns:p159="http://schemas.microsoft.com/office/powerpoint/2015/09/main">
+    <mc:Choice Requires="p159">
       <p:transition xmlns:p14="http://schemas.microsoft.com/office/powerpoint/2010/main" spd="slow" p14:dur="2000">
         <p159:morph option="byObject"/>
       </p:transition>
     </mc:Choice>
-    <mc:Fallback>
+    <mc:Fallback xmlns="">
       <p:transition spd="slow">
         <p:fade/>
       </p:transition>
@@ -9210,7 +9179,7 @@
               <a:rPr lang="en"/>
               <a:t>7</a:t>
             </a:fld>
-            <a:endParaRPr/>
+            <a:endParaRPr dirty="0"/>
           </a:p>
         </p:txBody>
       </p:sp>
@@ -9251,13 +9220,13 @@
   <p:clrMapOvr>
     <a:masterClrMapping/>
   </p:clrMapOvr>
-  <mc:AlternateContent xmlns:mc="http://schemas.openxmlformats.org/markup-compatibility/2006">
-    <mc:Choice xmlns:p159="http://schemas.microsoft.com/office/powerpoint/2015/09/main" Requires="p159">
+  <mc:AlternateContent xmlns:mc="http://schemas.openxmlformats.org/markup-compatibility/2006" xmlns:p159="http://schemas.microsoft.com/office/powerpoint/2015/09/main">
+    <mc:Choice Requires="p159">
       <p:transition xmlns:p14="http://schemas.microsoft.com/office/powerpoint/2010/main" spd="slow" p14:dur="2000">
         <p159:morph option="byObject"/>
       </p:transition>
     </mc:Choice>
-    <mc:Fallback>
+    <mc:Fallback xmlns="">
       <p:transition spd="slow">
         <p:fade/>
       </p:transition>
@@ -9468,7 +9437,7 @@
               <a:rPr lang="en"/>
               <a:t>8</a:t>
             </a:fld>
-            <a:endParaRPr/>
+            <a:endParaRPr dirty="0"/>
           </a:p>
         </p:txBody>
       </p:sp>
@@ -9514,13 +9483,13 @@
   <p:clrMapOvr>
     <a:masterClrMapping/>
   </p:clrMapOvr>
-  <mc:AlternateContent xmlns:mc="http://schemas.openxmlformats.org/markup-compatibility/2006">
-    <mc:Choice xmlns:p159="http://schemas.microsoft.com/office/powerpoint/2015/09/main" Requires="p159">
+  <mc:AlternateContent xmlns:mc="http://schemas.openxmlformats.org/markup-compatibility/2006" xmlns:p159="http://schemas.microsoft.com/office/powerpoint/2015/09/main">
+    <mc:Choice Requires="p159">
       <p:transition xmlns:p14="http://schemas.microsoft.com/office/powerpoint/2010/main" spd="slow" p14:dur="2000">
         <p159:morph option="byObject"/>
       </p:transition>
     </mc:Choice>
-    <mc:Fallback>
+    <mc:Fallback xmlns="">
       <p:transition spd="slow">
         <p:fade/>
       </p:transition>
@@ -9634,7 +9603,7 @@
               <a:rPr lang="en"/>
               <a:t>9</a:t>
             </a:fld>
-            <a:endParaRPr/>
+            <a:endParaRPr dirty="0"/>
           </a:p>
         </p:txBody>
       </p:sp>

--- a/project.pptx
+++ b/project.pptx
@@ -5,7 +5,7 @@
     <p:sldMasterId id="2147483658" r:id="rId1"/>
   </p:sldMasterIdLst>
   <p:notesMasterIdLst>
-    <p:notesMasterId r:id="rId26"/>
+    <p:notesMasterId r:id="rId25"/>
   </p:notesMasterIdLst>
   <p:sldIdLst>
     <p:sldId id="256" r:id="rId2"/>
@@ -16,30 +16,29 @@
     <p:sldId id="262" r:id="rId7"/>
     <p:sldId id="259" r:id="rId8"/>
     <p:sldId id="299" r:id="rId9"/>
-    <p:sldId id="260" r:id="rId10"/>
-    <p:sldId id="300" r:id="rId11"/>
-    <p:sldId id="295" r:id="rId12"/>
-    <p:sldId id="301" r:id="rId13"/>
-    <p:sldId id="302" r:id="rId14"/>
-    <p:sldId id="303" r:id="rId15"/>
-    <p:sldId id="304" r:id="rId16"/>
-    <p:sldId id="305" r:id="rId17"/>
-    <p:sldId id="306" r:id="rId18"/>
-    <p:sldId id="307" r:id="rId19"/>
-    <p:sldId id="308" r:id="rId20"/>
-    <p:sldId id="309" r:id="rId21"/>
-    <p:sldId id="310" r:id="rId22"/>
-    <p:sldId id="311" r:id="rId23"/>
-    <p:sldId id="312" r:id="rId24"/>
-    <p:sldId id="313" r:id="rId25"/>
+    <p:sldId id="300" r:id="rId10"/>
+    <p:sldId id="295" r:id="rId11"/>
+    <p:sldId id="301" r:id="rId12"/>
+    <p:sldId id="302" r:id="rId13"/>
+    <p:sldId id="303" r:id="rId14"/>
+    <p:sldId id="304" r:id="rId15"/>
+    <p:sldId id="305" r:id="rId16"/>
+    <p:sldId id="306" r:id="rId17"/>
+    <p:sldId id="307" r:id="rId18"/>
+    <p:sldId id="308" r:id="rId19"/>
+    <p:sldId id="309" r:id="rId20"/>
+    <p:sldId id="310" r:id="rId21"/>
+    <p:sldId id="311" r:id="rId22"/>
+    <p:sldId id="312" r:id="rId23"/>
+    <p:sldId id="313" r:id="rId24"/>
   </p:sldIdLst>
   <p:sldSz cx="9144000" cy="5143500" type="screen16x9"/>
   <p:notesSz cx="6858000" cy="9144000"/>
   <p:embeddedFontLst>
     <p:embeddedFont>
       <p:font typeface="Quicksand" panose="020B0604020202020204" charset="0"/>
-      <p:regular r:id="rId27"/>
-      <p:bold r:id="rId28"/>
+      <p:regular r:id="rId26"/>
+      <p:bold r:id="rId27"/>
     </p:embeddedFont>
   </p:embeddedFontLst>
   <p:defaultTextStyle>
@@ -1572,110 +1571,6 @@
 </p:notes>
 </file>
 
-<file path=ppt/notesSlides/notesSlide9.xml><?xml version="1.0" encoding="utf-8"?>
-<p:notes xmlns:a="http://schemas.openxmlformats.org/drawingml/2006/main" xmlns:r="http://schemas.openxmlformats.org/officeDocument/2006/relationships" xmlns:p="http://schemas.openxmlformats.org/presentationml/2006/main" showMasterSp="0" showMasterPhAnim="0">
-  <p:cSld>
-    <p:spTree>
-      <p:nvGrpSpPr>
-        <p:cNvPr id="1" name="Shape 98"/>
-        <p:cNvGrpSpPr/>
-        <p:nvPr/>
-      </p:nvGrpSpPr>
-      <p:grpSpPr>
-        <a:xfrm>
-          <a:off x="0" y="0"/>
-          <a:ext cx="0" cy="0"/>
-          <a:chOff x="0" y="0"/>
-          <a:chExt cx="0" cy="0"/>
-        </a:xfrm>
-      </p:grpSpPr>
-      <p:sp>
-        <p:nvSpPr>
-          <p:cNvPr id="99" name="Google Shape;99;g35f391192_09:notes"/>
-          <p:cNvSpPr>
-            <a:spLocks noGrp="1" noRot="1" noChangeAspect="1"/>
-          </p:cNvSpPr>
-          <p:nvPr>
-            <p:ph type="sldImg" idx="2"/>
-          </p:nvPr>
-        </p:nvSpPr>
-        <p:spPr>
-          <a:xfrm>
-            <a:off x="381000" y="685800"/>
-            <a:ext cx="6096000" cy="3429000"/>
-          </a:xfrm>
-          <a:custGeom>
-            <a:avLst/>
-            <a:gdLst/>
-            <a:ahLst/>
-            <a:cxnLst/>
-            <a:rect l="l" t="t" r="r" b="b"/>
-            <a:pathLst>
-              <a:path w="120000" h="120000" extrusionOk="0">
-                <a:moveTo>
-                  <a:pt x="0" y="0"/>
-                </a:moveTo>
-                <a:lnTo>
-                  <a:pt x="120000" y="0"/>
-                </a:lnTo>
-                <a:lnTo>
-                  <a:pt x="120000" y="120000"/>
-                </a:lnTo>
-                <a:lnTo>
-                  <a:pt x="0" y="120000"/>
-                </a:lnTo>
-                <a:close/>
-              </a:path>
-            </a:pathLst>
-          </a:custGeom>
-        </p:spPr>
-      </p:sp>
-      <p:sp>
-        <p:nvSpPr>
-          <p:cNvPr id="100" name="Google Shape;100;g35f391192_09:notes"/>
-          <p:cNvSpPr txBox="1">
-            <a:spLocks noGrp="1"/>
-          </p:cNvSpPr>
-          <p:nvPr>
-            <p:ph type="body" idx="1"/>
-          </p:nvPr>
-        </p:nvSpPr>
-        <p:spPr>
-          <a:xfrm>
-            <a:off x="685800" y="4343400"/>
-            <a:ext cx="5486400" cy="4114800"/>
-          </a:xfrm>
-          <a:prstGeom prst="rect">
-            <a:avLst/>
-          </a:prstGeom>
-        </p:spPr>
-        <p:txBody>
-          <a:bodyPr spcFirstLastPara="1" wrap="square" lIns="91425" tIns="91425" rIns="91425" bIns="91425" anchor="t" anchorCtr="0">
-            <a:noAutofit/>
-          </a:bodyPr>
-          <a:lstStyle/>
-          <a:p>
-            <a:pPr marL="0" lvl="0" indent="0" algn="l" rtl="0">
-              <a:spcBef>
-                <a:spcPts val="0"/>
-              </a:spcBef>
-              <a:spcAft>
-                <a:spcPts val="0"/>
-              </a:spcAft>
-              <a:buNone/>
-            </a:pPr>
-            <a:endParaRPr dirty="0"/>
-          </a:p>
-        </p:txBody>
-      </p:sp>
-    </p:spTree>
-  </p:cSld>
-  <p:clrMapOvr>
-    <a:masterClrMapping/>
-  </p:clrMapOvr>
-</p:notes>
-</file>
-
 <file path=ppt/slideLayouts/slideLayout1.xml><?xml version="1.0" encoding="utf-8"?>
 <p:sldLayout xmlns:a="http://schemas.openxmlformats.org/drawingml/2006/main" xmlns:r="http://schemas.openxmlformats.org/officeDocument/2006/relationships" xmlns:p="http://schemas.openxmlformats.org/presentationml/2006/main" matchingName="Title" type="title">
   <p:cSld name="TITLE">
@@ -2339,459 +2234,6 @@
 </file>
 
 <file path=ppt/slideLayouts/slideLayout3.xml><?xml version="1.0" encoding="utf-8"?>
-<p:sldLayout xmlns:a="http://schemas.openxmlformats.org/drawingml/2006/main" xmlns:r="http://schemas.openxmlformats.org/officeDocument/2006/relationships" xmlns:p="http://schemas.openxmlformats.org/presentationml/2006/main" matchingName="Quote">
-  <p:cSld name="TITLE_1_1">
-    <p:spTree>
-      <p:nvGrpSpPr>
-        <p:cNvPr id="1" name="Shape 19"/>
-        <p:cNvGrpSpPr/>
-        <p:nvPr/>
-      </p:nvGrpSpPr>
-      <p:grpSpPr>
-        <a:xfrm>
-          <a:off x="0" y="0"/>
-          <a:ext cx="0" cy="0"/>
-          <a:chOff x="0" y="0"/>
-          <a:chExt cx="0" cy="0"/>
-        </a:xfrm>
-      </p:grpSpPr>
-      <p:cxnSp>
-        <p:nvCxnSpPr>
-          <p:cNvPr id="20" name="Google Shape;20;p4"/>
-          <p:cNvCxnSpPr/>
-          <p:nvPr/>
-        </p:nvCxnSpPr>
-        <p:spPr>
-          <a:xfrm>
-            <a:off x="945630" y="0"/>
-            <a:ext cx="0" cy="5143500"/>
-          </a:xfrm>
-          <a:prstGeom prst="straightConnector1">
-            <a:avLst/>
-          </a:prstGeom>
-          <a:noFill/>
-          <a:ln w="9525" cap="flat" cmpd="sng">
-            <a:solidFill>
-              <a:schemeClr val="accent5"/>
-            </a:solidFill>
-            <a:prstDash val="solid"/>
-            <a:round/>
-            <a:headEnd type="none" w="med" len="med"/>
-            <a:tailEnd type="none" w="med" len="med"/>
-          </a:ln>
-        </p:spPr>
-      </p:cxnSp>
-      <p:sp>
-        <p:nvSpPr>
-          <p:cNvPr id="21" name="Google Shape;21;p4"/>
-          <p:cNvSpPr/>
-          <p:nvPr/>
-        </p:nvSpPr>
-        <p:spPr>
-          <a:xfrm>
-            <a:off x="638325" y="2267417"/>
-            <a:ext cx="614400" cy="614400"/>
-          </a:xfrm>
-          <a:prstGeom prst="ellipse">
-            <a:avLst/>
-          </a:prstGeom>
-          <a:solidFill>
-            <a:srgbClr val="2E3037"/>
-          </a:solidFill>
-          <a:ln w="9525" cap="flat" cmpd="sng">
-            <a:solidFill>
-              <a:schemeClr val="accent5"/>
-            </a:solidFill>
-            <a:prstDash val="solid"/>
-            <a:round/>
-            <a:headEnd type="none" w="sm" len="sm"/>
-            <a:tailEnd type="none" w="sm" len="sm"/>
-          </a:ln>
-        </p:spPr>
-        <p:txBody>
-          <a:bodyPr spcFirstLastPara="1" wrap="square" lIns="91425" tIns="91425" rIns="91425" bIns="91425" anchor="ctr" anchorCtr="0">
-            <a:noAutofit/>
-          </a:bodyPr>
-          <a:lstStyle/>
-          <a:p>
-            <a:pPr marL="0" lvl="0" indent="0" algn="l" rtl="0">
-              <a:spcBef>
-                <a:spcPts val="0"/>
-              </a:spcBef>
-              <a:spcAft>
-                <a:spcPts val="0"/>
-              </a:spcAft>
-              <a:buNone/>
-            </a:pPr>
-            <a:endParaRPr dirty="0"/>
-          </a:p>
-        </p:txBody>
-      </p:sp>
-      <p:sp>
-        <p:nvSpPr>
-          <p:cNvPr id="22" name="Google Shape;22;p4"/>
-          <p:cNvSpPr txBox="1">
-            <a:spLocks noGrp="1"/>
-          </p:cNvSpPr>
-          <p:nvPr>
-            <p:ph type="body" idx="1"/>
-          </p:nvPr>
-        </p:nvSpPr>
-        <p:spPr>
-          <a:xfrm>
-            <a:off x="1633225" y="2161800"/>
-            <a:ext cx="6700500" cy="819900"/>
-          </a:xfrm>
-          <a:prstGeom prst="rect">
-            <a:avLst/>
-          </a:prstGeom>
-        </p:spPr>
-        <p:txBody>
-          <a:bodyPr spcFirstLastPara="1" wrap="square" lIns="91425" tIns="91425" rIns="91425" bIns="91425" anchor="ctr" anchorCtr="0">
-            <a:noAutofit/>
-          </a:bodyPr>
-          <a:lstStyle>
-            <a:lvl1pPr marL="457200" lvl="0" indent="-406400" rtl="0">
-              <a:spcBef>
-                <a:spcPts val="600"/>
-              </a:spcBef>
-              <a:spcAft>
-                <a:spcPts val="0"/>
-              </a:spcAft>
-              <a:buSzPts val="2800"/>
-              <a:buChar char="◦"/>
-              <a:defRPr sz="2800" i="1">
-                <a:solidFill>
-                  <a:schemeClr val="accent1"/>
-                </a:solidFill>
-              </a:defRPr>
-            </a:lvl1pPr>
-            <a:lvl2pPr marL="914400" lvl="1" indent="-406400" rtl="0">
-              <a:spcBef>
-                <a:spcPts val="0"/>
-              </a:spcBef>
-              <a:spcAft>
-                <a:spcPts val="0"/>
-              </a:spcAft>
-              <a:buSzPts val="2800"/>
-              <a:buChar char="▫"/>
-              <a:defRPr sz="2800" i="1">
-                <a:solidFill>
-                  <a:schemeClr val="accent1"/>
-                </a:solidFill>
-              </a:defRPr>
-            </a:lvl2pPr>
-            <a:lvl3pPr marL="1371600" lvl="2" indent="-406400" rtl="0">
-              <a:spcBef>
-                <a:spcPts val="0"/>
-              </a:spcBef>
-              <a:spcAft>
-                <a:spcPts val="0"/>
-              </a:spcAft>
-              <a:buSzPts val="2800"/>
-              <a:buChar char="■"/>
-              <a:defRPr sz="2800" i="1">
-                <a:solidFill>
-                  <a:schemeClr val="accent1"/>
-                </a:solidFill>
-              </a:defRPr>
-            </a:lvl3pPr>
-            <a:lvl4pPr marL="1828800" lvl="3" indent="-406400" rtl="0">
-              <a:spcBef>
-                <a:spcPts val="0"/>
-              </a:spcBef>
-              <a:spcAft>
-                <a:spcPts val="0"/>
-              </a:spcAft>
-              <a:buClr>
-                <a:schemeClr val="accent1"/>
-              </a:buClr>
-              <a:buSzPts val="2800"/>
-              <a:buChar char="●"/>
-              <a:defRPr sz="2800" i="1">
-                <a:solidFill>
-                  <a:schemeClr val="accent1"/>
-                </a:solidFill>
-              </a:defRPr>
-            </a:lvl4pPr>
-            <a:lvl5pPr marL="2286000" lvl="4" indent="-406400" rtl="0">
-              <a:spcBef>
-                <a:spcPts val="0"/>
-              </a:spcBef>
-              <a:spcAft>
-                <a:spcPts val="0"/>
-              </a:spcAft>
-              <a:buClr>
-                <a:schemeClr val="accent1"/>
-              </a:buClr>
-              <a:buSzPts val="2800"/>
-              <a:buChar char="○"/>
-              <a:defRPr sz="2800" i="1">
-                <a:solidFill>
-                  <a:schemeClr val="accent1"/>
-                </a:solidFill>
-              </a:defRPr>
-            </a:lvl5pPr>
-            <a:lvl6pPr marL="2743200" lvl="5" indent="-406400" rtl="0">
-              <a:spcBef>
-                <a:spcPts val="0"/>
-              </a:spcBef>
-              <a:spcAft>
-                <a:spcPts val="0"/>
-              </a:spcAft>
-              <a:buClr>
-                <a:schemeClr val="accent1"/>
-              </a:buClr>
-              <a:buSzPts val="2800"/>
-              <a:buChar char="■"/>
-              <a:defRPr sz="2800" i="1">
-                <a:solidFill>
-                  <a:schemeClr val="accent1"/>
-                </a:solidFill>
-              </a:defRPr>
-            </a:lvl6pPr>
-            <a:lvl7pPr marL="3200400" lvl="6" indent="-406400" rtl="0">
-              <a:spcBef>
-                <a:spcPts val="0"/>
-              </a:spcBef>
-              <a:spcAft>
-                <a:spcPts val="0"/>
-              </a:spcAft>
-              <a:buClr>
-                <a:schemeClr val="accent1"/>
-              </a:buClr>
-              <a:buSzPts val="2800"/>
-              <a:buChar char="●"/>
-              <a:defRPr sz="2800" i="1">
-                <a:solidFill>
-                  <a:schemeClr val="accent1"/>
-                </a:solidFill>
-              </a:defRPr>
-            </a:lvl7pPr>
-            <a:lvl8pPr marL="3657600" lvl="7" indent="-406400" rtl="0">
-              <a:spcBef>
-                <a:spcPts val="0"/>
-              </a:spcBef>
-              <a:spcAft>
-                <a:spcPts val="0"/>
-              </a:spcAft>
-              <a:buClr>
-                <a:schemeClr val="accent1"/>
-              </a:buClr>
-              <a:buSzPts val="2800"/>
-              <a:buChar char="○"/>
-              <a:defRPr sz="2800" i="1">
-                <a:solidFill>
-                  <a:schemeClr val="accent1"/>
-                </a:solidFill>
-              </a:defRPr>
-            </a:lvl8pPr>
-            <a:lvl9pPr marL="4114800" lvl="8" indent="-406400">
-              <a:spcBef>
-                <a:spcPts val="0"/>
-              </a:spcBef>
-              <a:spcAft>
-                <a:spcPts val="0"/>
-              </a:spcAft>
-              <a:buClr>
-                <a:schemeClr val="accent1"/>
-              </a:buClr>
-              <a:buSzPts val="2800"/>
-              <a:buChar char="■"/>
-              <a:defRPr sz="2800" i="1">
-                <a:solidFill>
-                  <a:schemeClr val="accent1"/>
-                </a:solidFill>
-              </a:defRPr>
-            </a:lvl9pPr>
-          </a:lstStyle>
-          <a:p>
-            <a:endParaRPr/>
-          </a:p>
-        </p:txBody>
-      </p:sp>
-      <p:sp>
-        <p:nvSpPr>
-          <p:cNvPr id="23" name="Google Shape;23;p4"/>
-          <p:cNvSpPr txBox="1"/>
-          <p:nvPr/>
-        </p:nvSpPr>
-        <p:spPr>
-          <a:xfrm>
-            <a:off x="286541" y="2244031"/>
-            <a:ext cx="1306200" cy="653700"/>
-          </a:xfrm>
-          <a:prstGeom prst="rect">
-            <a:avLst/>
-          </a:prstGeom>
-          <a:noFill/>
-          <a:ln>
-            <a:noFill/>
-          </a:ln>
-        </p:spPr>
-        <p:txBody>
-          <a:bodyPr spcFirstLastPara="1" wrap="square" lIns="91425" tIns="91425" rIns="91425" bIns="91425" anchor="t" anchorCtr="0">
-            <a:noAutofit/>
-          </a:bodyPr>
-          <a:lstStyle/>
-          <a:p>
-            <a:pPr marL="0" lvl="0" indent="0" algn="ctr" rtl="0">
-              <a:spcBef>
-                <a:spcPts val="0"/>
-              </a:spcBef>
-              <a:spcAft>
-                <a:spcPts val="0"/>
-              </a:spcAft>
-              <a:buNone/>
-            </a:pPr>
-            <a:r>
-              <a:rPr lang="en" sz="4800" b="1">
-                <a:solidFill>
-                  <a:schemeClr val="accent1"/>
-                </a:solidFill>
-                <a:latin typeface="Quicksand"/>
-                <a:ea typeface="Quicksand"/>
-                <a:cs typeface="Quicksand"/>
-                <a:sym typeface="Quicksand"/>
-              </a:rPr>
-              <a:t>“</a:t>
-            </a:r>
-            <a:endParaRPr sz="4800" b="1" dirty="0">
-              <a:solidFill>
-                <a:schemeClr val="accent1"/>
-              </a:solidFill>
-              <a:latin typeface="Quicksand"/>
-              <a:ea typeface="Quicksand"/>
-              <a:cs typeface="Quicksand"/>
-              <a:sym typeface="Quicksand"/>
-            </a:endParaRPr>
-          </a:p>
-        </p:txBody>
-      </p:sp>
-      <p:sp>
-        <p:nvSpPr>
-          <p:cNvPr id="24" name="Google Shape;24;p4"/>
-          <p:cNvSpPr txBox="1">
-            <a:spLocks noGrp="1"/>
-          </p:cNvSpPr>
-          <p:nvPr>
-            <p:ph type="sldNum" idx="12"/>
-          </p:nvPr>
-        </p:nvSpPr>
-        <p:spPr>
-          <a:xfrm>
-            <a:off x="8523157" y="4752131"/>
-            <a:ext cx="548700" cy="315300"/>
-          </a:xfrm>
-          <a:prstGeom prst="rect">
-            <a:avLst/>
-          </a:prstGeom>
-        </p:spPr>
-        <p:txBody>
-          <a:bodyPr spcFirstLastPara="1" wrap="square" lIns="91425" tIns="91425" rIns="91425" bIns="91425" anchor="t" anchorCtr="0">
-            <a:noAutofit/>
-          </a:bodyPr>
-          <a:lstStyle>
-            <a:lvl1pPr lvl="0">
-              <a:buNone/>
-              <a:defRPr>
-                <a:solidFill>
-                  <a:srgbClr val="39C0BA"/>
-                </a:solidFill>
-              </a:defRPr>
-            </a:lvl1pPr>
-            <a:lvl2pPr lvl="1">
-              <a:buNone/>
-              <a:defRPr>
-                <a:solidFill>
-                  <a:srgbClr val="39C0BA"/>
-                </a:solidFill>
-              </a:defRPr>
-            </a:lvl2pPr>
-            <a:lvl3pPr lvl="2">
-              <a:buNone/>
-              <a:defRPr>
-                <a:solidFill>
-                  <a:srgbClr val="39C0BA"/>
-                </a:solidFill>
-              </a:defRPr>
-            </a:lvl3pPr>
-            <a:lvl4pPr lvl="3">
-              <a:buNone/>
-              <a:defRPr>
-                <a:solidFill>
-                  <a:srgbClr val="39C0BA"/>
-                </a:solidFill>
-              </a:defRPr>
-            </a:lvl4pPr>
-            <a:lvl5pPr lvl="4">
-              <a:buNone/>
-              <a:defRPr>
-                <a:solidFill>
-                  <a:srgbClr val="39C0BA"/>
-                </a:solidFill>
-              </a:defRPr>
-            </a:lvl5pPr>
-            <a:lvl6pPr lvl="5">
-              <a:buNone/>
-              <a:defRPr>
-                <a:solidFill>
-                  <a:srgbClr val="39C0BA"/>
-                </a:solidFill>
-              </a:defRPr>
-            </a:lvl6pPr>
-            <a:lvl7pPr lvl="6">
-              <a:buNone/>
-              <a:defRPr>
-                <a:solidFill>
-                  <a:srgbClr val="39C0BA"/>
-                </a:solidFill>
-              </a:defRPr>
-            </a:lvl7pPr>
-            <a:lvl8pPr lvl="7">
-              <a:buNone/>
-              <a:defRPr>
-                <a:solidFill>
-                  <a:srgbClr val="39C0BA"/>
-                </a:solidFill>
-              </a:defRPr>
-            </a:lvl8pPr>
-            <a:lvl9pPr lvl="8">
-              <a:buNone/>
-              <a:defRPr>
-                <a:solidFill>
-                  <a:srgbClr val="39C0BA"/>
-                </a:solidFill>
-              </a:defRPr>
-            </a:lvl9pPr>
-          </a:lstStyle>
-          <a:p>
-            <a:pPr marL="0" lvl="0" indent="0" algn="r" rtl="0">
-              <a:spcBef>
-                <a:spcPts val="0"/>
-              </a:spcBef>
-              <a:spcAft>
-                <a:spcPts val="0"/>
-              </a:spcAft>
-              <a:buNone/>
-            </a:pPr>
-            <a:fld id="{00000000-1234-1234-1234-123412341234}" type="slidenum">
-              <a:rPr lang="en"/>
-              <a:t>‹#›</a:t>
-            </a:fld>
-            <a:endParaRPr dirty="0"/>
-          </a:p>
-        </p:txBody>
-      </p:sp>
-    </p:spTree>
-  </p:cSld>
-  <p:clrMapOvr>
-    <a:masterClrMapping/>
-  </p:clrMapOvr>
-</p:sldLayout>
-</file>
-
-<file path=ppt/slideLayouts/slideLayout4.xml><?xml version="1.0" encoding="utf-8"?>
 <p:sldLayout xmlns:a="http://schemas.openxmlformats.org/drawingml/2006/main" xmlns:r="http://schemas.openxmlformats.org/officeDocument/2006/relationships" xmlns:p="http://schemas.openxmlformats.org/presentationml/2006/main" matchingName="Title + 2 columns" type="twoColTx">
   <p:cSld name="TITLE_AND_TWO_COLUMNS">
     <p:spTree>
@@ -3400,7 +2842,7 @@
 </p:sldLayout>
 </file>
 
-<file path=ppt/slideLayouts/slideLayout5.xml><?xml version="1.0" encoding="utf-8"?>
+<file path=ppt/slideLayouts/slideLayout4.xml><?xml version="1.0" encoding="utf-8"?>
 <p:sldLayout xmlns:a="http://schemas.openxmlformats.org/drawingml/2006/main" xmlns:r="http://schemas.openxmlformats.org/officeDocument/2006/relationships" xmlns:p="http://schemas.openxmlformats.org/presentationml/2006/main" matchingName="Blank" type="blank">
   <p:cSld name="BLANK">
     <p:spTree>
@@ -4244,9 +3686,8 @@
   <p:sldLayoutIdLst>
     <p:sldLayoutId id="2147483648" r:id="rId1"/>
     <p:sldLayoutId id="2147483649" r:id="rId2"/>
-    <p:sldLayoutId id="2147483650" r:id="rId3"/>
-    <p:sldLayoutId id="2147483652" r:id="rId4"/>
-    <p:sldLayoutId id="2147483656" r:id="rId5"/>
+    <p:sldLayoutId id="2147483652" r:id="rId3"/>
+    <p:sldLayoutId id="2147483656" r:id="rId4"/>
   </p:sldLayoutIdLst>
   <p:transition>
     <p:fade thruBlk="1"/>
@@ -5127,38 +4568,10 @@
       </p:grpSpPr>
       <p:sp>
         <p:nvSpPr>
-          <p:cNvPr id="2" name="Title 1">
+          <p:cNvPr id="2" name="Slide Number Placeholder 1">
             <a:extLst>
               <a:ext uri="{FF2B5EF4-FFF2-40B4-BE49-F238E27FC236}">
-                <a16:creationId xmlns:a16="http://schemas.microsoft.com/office/drawing/2014/main" id="{030F4E54-E8B8-1D86-BB80-8CB283F0CD22}"/>
-              </a:ext>
-            </a:extLst>
-          </p:cNvPr>
-          <p:cNvSpPr>
-            <a:spLocks noGrp="1"/>
-          </p:cNvSpPr>
-          <p:nvPr>
-            <p:ph type="ctrTitle"/>
-          </p:nvPr>
-        </p:nvSpPr>
-        <p:spPr/>
-        <p:txBody>
-          <a:bodyPr/>
-          <a:lstStyle/>
-          <a:p>
-            <a:r>
-              <a:rPr lang="en-GB" sz="3600" b="1" dirty="0"/>
-              <a:t>SYSTEM ANALYSIS</a:t>
-            </a:r>
-          </a:p>
-        </p:txBody>
-      </p:sp>
-      <p:sp>
-        <p:nvSpPr>
-          <p:cNvPr id="4" name="Slide Number Placeholder 3">
-            <a:extLst>
-              <a:ext uri="{FF2B5EF4-FFF2-40B4-BE49-F238E27FC236}">
-                <a16:creationId xmlns:a16="http://schemas.microsoft.com/office/drawing/2014/main" id="{80CC5A08-DBE5-5C15-B465-D8FE0E1484E9}"/>
+                <a16:creationId xmlns:a16="http://schemas.microsoft.com/office/drawing/2014/main" id="{A6AB6AFE-0127-E693-F99D-E572E7DD5A9D}"/>
               </a:ext>
             </a:extLst>
           </p:cNvPr>
@@ -5191,10 +4604,126 @@
           </a:p>
         </p:txBody>
       </p:sp>
+      <p:pic>
+        <p:nvPicPr>
+          <p:cNvPr id="3" name="Picture 2">
+            <a:extLst>
+              <a:ext uri="{FF2B5EF4-FFF2-40B4-BE49-F238E27FC236}">
+                <a16:creationId xmlns:a16="http://schemas.microsoft.com/office/drawing/2014/main" id="{19385C2B-26E1-A7FC-E606-6B7F2057072D}"/>
+              </a:ext>
+            </a:extLst>
+          </p:cNvPr>
+          <p:cNvPicPr>
+            <a:picLocks noChangeAspect="1"/>
+          </p:cNvPicPr>
+          <p:nvPr/>
+        </p:nvPicPr>
+        <p:blipFill>
+          <a:blip r:embed="rId2">
+            <a:extLst>
+              <a:ext uri="{28A0092B-C50C-407E-A947-70E740481C1C}">
+                <a14:useLocalDpi xmlns:a14="http://schemas.microsoft.com/office/drawing/2010/main" val="0"/>
+              </a:ext>
+            </a:extLst>
+          </a:blip>
+          <a:stretch>
+            <a:fillRect/>
+          </a:stretch>
+        </p:blipFill>
+        <p:spPr>
+          <a:xfrm>
+            <a:off x="1249045" y="1209357"/>
+            <a:ext cx="6645910" cy="2724785"/>
+          </a:xfrm>
+          <a:prstGeom prst="rect">
+            <a:avLst/>
+          </a:prstGeom>
+        </p:spPr>
+      </p:pic>
+      <p:sp>
+        <p:nvSpPr>
+          <p:cNvPr id="4" name="TextBox 3">
+            <a:extLst>
+              <a:ext uri="{FF2B5EF4-FFF2-40B4-BE49-F238E27FC236}">
+                <a16:creationId xmlns:a16="http://schemas.microsoft.com/office/drawing/2014/main" id="{5FE55C01-2F40-AD59-7F30-E7CA596D5242}"/>
+              </a:ext>
+            </a:extLst>
+          </p:cNvPr>
+          <p:cNvSpPr txBox="1"/>
+          <p:nvPr/>
+        </p:nvSpPr>
+        <p:spPr>
+          <a:xfrm>
+            <a:off x="1616149" y="414671"/>
+            <a:ext cx="5092996" cy="461665"/>
+          </a:xfrm>
+          <a:prstGeom prst="rect">
+            <a:avLst/>
+          </a:prstGeom>
+          <a:noFill/>
+        </p:spPr>
+        <p:txBody>
+          <a:bodyPr wrap="square" rtlCol="0">
+            <a:spAutoFit/>
+          </a:bodyPr>
+          <a:lstStyle/>
+          <a:p>
+            <a:r>
+              <a:rPr lang="en-GB" sz="2400" b="1" dirty="0">
+                <a:solidFill>
+                  <a:schemeClr val="accent1"/>
+                </a:solidFill>
+                <a:latin typeface="Quicksand" panose="020B0604020202020204" charset="0"/>
+              </a:rPr>
+              <a:t>Data Flow Diagram</a:t>
+            </a:r>
+          </a:p>
+        </p:txBody>
+      </p:sp>
+      <p:sp>
+        <p:nvSpPr>
+          <p:cNvPr id="6" name="TextBox 5">
+            <a:extLst>
+              <a:ext uri="{FF2B5EF4-FFF2-40B4-BE49-F238E27FC236}">
+                <a16:creationId xmlns:a16="http://schemas.microsoft.com/office/drawing/2014/main" id="{ABC29ECE-27DC-AD9D-DCEF-85B39548ADE3}"/>
+              </a:ext>
+            </a:extLst>
+          </p:cNvPr>
+          <p:cNvSpPr txBox="1"/>
+          <p:nvPr/>
+        </p:nvSpPr>
+        <p:spPr>
+          <a:xfrm>
+            <a:off x="4572000" y="4267163"/>
+            <a:ext cx="5092996" cy="461665"/>
+          </a:xfrm>
+          <a:prstGeom prst="rect">
+            <a:avLst/>
+          </a:prstGeom>
+          <a:noFill/>
+        </p:spPr>
+        <p:txBody>
+          <a:bodyPr wrap="square" rtlCol="0">
+            <a:spAutoFit/>
+          </a:bodyPr>
+          <a:lstStyle/>
+          <a:p>
+            <a:r>
+              <a:rPr lang="en-GB" sz="2400" b="1" dirty="0">
+                <a:solidFill>
+                  <a:schemeClr val="accent1"/>
+                </a:solidFill>
+                <a:latin typeface="Quicksand" panose="020B0604020202020204" charset="0"/>
+              </a:rPr>
+              <a:t>Context Level</a:t>
+            </a:r>
+          </a:p>
+        </p:txBody>
+      </p:sp>
     </p:spTree>
     <p:extLst>
       <p:ext uri="{BB962C8B-B14F-4D97-AF65-F5344CB8AC3E}">
-        <p14:creationId xmlns:p14="http://schemas.microsoft.com/office/powerpoint/2010/main" val="724970531"/>
+        <p14:creationId xmlns:p14="http://schemas.microsoft.com/office/powerpoint/2010/main" val="1531687676"/>
       </p:ext>
     </p:extLst>
   </p:cSld>
@@ -5259,42 +4788,6 @@
           </a:p>
         </p:txBody>
       </p:sp>
-      <p:pic>
-        <p:nvPicPr>
-          <p:cNvPr id="3" name="Picture 2">
-            <a:extLst>
-              <a:ext uri="{FF2B5EF4-FFF2-40B4-BE49-F238E27FC236}">
-                <a16:creationId xmlns:a16="http://schemas.microsoft.com/office/drawing/2014/main" id="{19385C2B-26E1-A7FC-E606-6B7F2057072D}"/>
-              </a:ext>
-            </a:extLst>
-          </p:cNvPr>
-          <p:cNvPicPr>
-            <a:picLocks noChangeAspect="1"/>
-          </p:cNvPicPr>
-          <p:nvPr/>
-        </p:nvPicPr>
-        <p:blipFill>
-          <a:blip r:embed="rId2">
-            <a:extLst>
-              <a:ext uri="{28A0092B-C50C-407E-A947-70E740481C1C}">
-                <a14:useLocalDpi xmlns:a14="http://schemas.microsoft.com/office/drawing/2010/main" val="0"/>
-              </a:ext>
-            </a:extLst>
-          </a:blip>
-          <a:stretch>
-            <a:fillRect/>
-          </a:stretch>
-        </p:blipFill>
-        <p:spPr>
-          <a:xfrm>
-            <a:off x="1249045" y="1209357"/>
-            <a:ext cx="6645910" cy="2724785"/>
-          </a:xfrm>
-          <a:prstGeom prst="rect">
-            <a:avLst/>
-          </a:prstGeom>
-        </p:spPr>
-      </p:pic>
       <p:sp>
         <p:nvSpPr>
           <p:cNvPr id="4" name="TextBox 3">
@@ -5309,7 +4802,7 @@
         </p:nvSpPr>
         <p:spPr>
           <a:xfrm>
-            <a:off x="1616149" y="414671"/>
+            <a:off x="1424799" y="2327778"/>
             <a:ext cx="5092996" cy="461665"/>
           </a:xfrm>
           <a:prstGeom prst="rect">
@@ -5330,55 +4823,50 @@
                 </a:solidFill>
                 <a:latin typeface="Quicksand" panose="020B0604020202020204" charset="0"/>
               </a:rPr>
-              <a:t>Data Flow Diagram</a:t>
+              <a:t>Use Case Diagram</a:t>
             </a:r>
           </a:p>
         </p:txBody>
       </p:sp>
-      <p:sp>
-        <p:nvSpPr>
-          <p:cNvPr id="6" name="TextBox 5">
+      <p:pic>
+        <p:nvPicPr>
+          <p:cNvPr id="5" name="Picture 4">
             <a:extLst>
               <a:ext uri="{FF2B5EF4-FFF2-40B4-BE49-F238E27FC236}">
-                <a16:creationId xmlns:a16="http://schemas.microsoft.com/office/drawing/2014/main" id="{ABC29ECE-27DC-AD9D-DCEF-85B39548ADE3}"/>
+                <a16:creationId xmlns:a16="http://schemas.microsoft.com/office/drawing/2014/main" id="{BA033DF9-57C4-A542-4576-CEA8474E08D7}"/>
               </a:ext>
             </a:extLst>
           </p:cNvPr>
-          <p:cNvSpPr txBox="1"/>
+          <p:cNvPicPr>
+            <a:picLocks noChangeAspect="1"/>
+          </p:cNvPicPr>
           <p:nvPr/>
-        </p:nvSpPr>
-        <p:spPr>
-          <a:xfrm>
-            <a:off x="4572000" y="4267163"/>
-            <a:ext cx="5092996" cy="461665"/>
+        </p:nvPicPr>
+        <p:blipFill rotWithShape="1">
+          <a:blip r:embed="rId2">
+            <a:extLst>
+              <a:ext uri="{28A0092B-C50C-407E-A947-70E740481C1C}">
+                <a14:useLocalDpi xmlns:a14="http://schemas.microsoft.com/office/drawing/2010/main" val="0"/>
+              </a:ext>
+            </a:extLst>
+          </a:blip>
+          <a:srcRect b="16123"/>
+          <a:stretch/>
+        </p:blipFill>
+        <p:spPr>
+          <a:xfrm>
+            <a:off x="4731487" y="-26278"/>
+            <a:ext cx="3572617" cy="5169778"/>
           </a:xfrm>
           <a:prstGeom prst="rect">
             <a:avLst/>
           </a:prstGeom>
-          <a:noFill/>
-        </p:spPr>
-        <p:txBody>
-          <a:bodyPr wrap="square" rtlCol="0">
-            <a:spAutoFit/>
-          </a:bodyPr>
-          <a:lstStyle/>
-          <a:p>
-            <a:r>
-              <a:rPr lang="en-GB" sz="2400" b="1" dirty="0">
-                <a:solidFill>
-                  <a:schemeClr val="accent1"/>
-                </a:solidFill>
-                <a:latin typeface="Quicksand" panose="020B0604020202020204" charset="0"/>
-              </a:rPr>
-              <a:t>Context Level</a:t>
-            </a:r>
-          </a:p>
-        </p:txBody>
-      </p:sp>
+        </p:spPr>
+      </p:pic>
     </p:spTree>
     <p:extLst>
       <p:ext uri="{BB962C8B-B14F-4D97-AF65-F5344CB8AC3E}">
-        <p14:creationId xmlns:p14="http://schemas.microsoft.com/office/powerpoint/2010/main" val="1531687676"/>
+        <p14:creationId xmlns:p14="http://schemas.microsoft.com/office/powerpoint/2010/main" val="373006083"/>
       </p:ext>
     </p:extLst>
   </p:cSld>
@@ -5389,6 +4877,102 @@
 </file>
 
 <file path=ppt/slides/slide12.xml><?xml version="1.0" encoding="utf-8"?>
+<p:sld xmlns:a="http://schemas.openxmlformats.org/drawingml/2006/main" xmlns:r="http://schemas.openxmlformats.org/officeDocument/2006/relationships" xmlns:p="http://schemas.openxmlformats.org/presentationml/2006/main">
+  <p:cSld>
+    <p:spTree>
+      <p:nvGrpSpPr>
+        <p:cNvPr id="1" name=""/>
+        <p:cNvGrpSpPr/>
+        <p:nvPr/>
+      </p:nvGrpSpPr>
+      <p:grpSpPr>
+        <a:xfrm>
+          <a:off x="0" y="0"/>
+          <a:ext cx="0" cy="0"/>
+          <a:chOff x="0" y="0"/>
+          <a:chExt cx="0" cy="0"/>
+        </a:xfrm>
+      </p:grpSpPr>
+      <p:sp>
+        <p:nvSpPr>
+          <p:cNvPr id="2" name="Title 1">
+            <a:extLst>
+              <a:ext uri="{FF2B5EF4-FFF2-40B4-BE49-F238E27FC236}">
+                <a16:creationId xmlns:a16="http://schemas.microsoft.com/office/drawing/2014/main" id="{030F4E54-E8B8-1D86-BB80-8CB283F0CD22}"/>
+              </a:ext>
+            </a:extLst>
+          </p:cNvPr>
+          <p:cNvSpPr>
+            <a:spLocks noGrp="1"/>
+          </p:cNvSpPr>
+          <p:nvPr>
+            <p:ph type="ctrTitle"/>
+          </p:nvPr>
+        </p:nvSpPr>
+        <p:spPr/>
+        <p:txBody>
+          <a:bodyPr/>
+          <a:lstStyle/>
+          <a:p>
+            <a:r>
+              <a:rPr lang="en-GB" sz="3600" b="1" dirty="0"/>
+              <a:t>SCREEN LAYOUTS</a:t>
+            </a:r>
+          </a:p>
+        </p:txBody>
+      </p:sp>
+      <p:sp>
+        <p:nvSpPr>
+          <p:cNvPr id="4" name="Slide Number Placeholder 3">
+            <a:extLst>
+              <a:ext uri="{FF2B5EF4-FFF2-40B4-BE49-F238E27FC236}">
+                <a16:creationId xmlns:a16="http://schemas.microsoft.com/office/drawing/2014/main" id="{80CC5A08-DBE5-5C15-B465-D8FE0E1484E9}"/>
+              </a:ext>
+            </a:extLst>
+          </p:cNvPr>
+          <p:cNvSpPr>
+            <a:spLocks noGrp="1"/>
+          </p:cNvSpPr>
+          <p:nvPr>
+            <p:ph type="sldNum" idx="12"/>
+          </p:nvPr>
+        </p:nvSpPr>
+        <p:spPr/>
+        <p:txBody>
+          <a:bodyPr/>
+          <a:lstStyle/>
+          <a:p>
+            <a:pPr marL="0" lvl="0" indent="0" algn="r" rtl="0">
+              <a:spcBef>
+                <a:spcPts val="0"/>
+              </a:spcBef>
+              <a:spcAft>
+                <a:spcPts val="0"/>
+              </a:spcAft>
+              <a:buNone/>
+            </a:pPr>
+            <a:fld id="{00000000-1234-1234-1234-123412341234}" type="slidenum">
+              <a:rPr lang="en" smtClean="0"/>
+              <a:t>12</a:t>
+            </a:fld>
+            <a:endParaRPr lang="en"/>
+          </a:p>
+        </p:txBody>
+      </p:sp>
+    </p:spTree>
+    <p:extLst>
+      <p:ext uri="{BB962C8B-B14F-4D97-AF65-F5344CB8AC3E}">
+        <p14:creationId xmlns:p14="http://schemas.microsoft.com/office/powerpoint/2010/main" val="3542305535"/>
+      </p:ext>
+    </p:extLst>
+  </p:cSld>
+  <p:clrMapOvr>
+    <a:masterClrMapping/>
+  </p:clrMapOvr>
+</p:sld>
+</file>
+
+<file path=ppt/slides/slide13.xml><?xml version="1.0" encoding="utf-8"?>
 <p:sld xmlns:a="http://schemas.openxmlformats.org/drawingml/2006/main" xmlns:r="http://schemas.openxmlformats.org/officeDocument/2006/relationships" xmlns:p="http://schemas.openxmlformats.org/presentationml/2006/main">
   <p:cSld>
     <p:spTree>
@@ -5437,7 +5021,7 @@
             </a:pPr>
             <a:fld id="{00000000-1234-1234-1234-123412341234}" type="slidenum">
               <a:rPr lang="en" smtClean="0"/>
-              <a:t>12</a:t>
+              <a:t>13</a:t>
             </a:fld>
             <a:endParaRPr lang="en"/>
           </a:p>
@@ -5457,7 +5041,7 @@
         </p:nvSpPr>
         <p:spPr>
           <a:xfrm>
-            <a:off x="1424799" y="2327778"/>
+            <a:off x="1605516" y="233918"/>
             <a:ext cx="5092996" cy="461665"/>
           </a:xfrm>
           <a:prstGeom prst="rect">
@@ -5478,17 +5062,17 @@
                 </a:solidFill>
                 <a:latin typeface="Quicksand" panose="020B0604020202020204" charset="0"/>
               </a:rPr>
-              <a:t>Use Case Diagram</a:t>
+              <a:t>Home Screen</a:t>
             </a:r>
           </a:p>
         </p:txBody>
       </p:sp>
       <p:pic>
         <p:nvPicPr>
-          <p:cNvPr id="5" name="Picture 4">
+          <p:cNvPr id="10" name="Picture 9">
             <a:extLst>
               <a:ext uri="{FF2B5EF4-FFF2-40B4-BE49-F238E27FC236}">
-                <a16:creationId xmlns:a16="http://schemas.microsoft.com/office/drawing/2014/main" id="{BA033DF9-57C4-A542-4576-CEA8474E08D7}"/>
+                <a16:creationId xmlns:a16="http://schemas.microsoft.com/office/drawing/2014/main" id="{9FD62361-E3D0-C9A0-AC5E-28B89BCDFFBE}"/>
               </a:ext>
             </a:extLst>
           </p:cNvPr>
@@ -5498,20 +5082,14 @@
           <p:nvPr/>
         </p:nvPicPr>
         <p:blipFill rotWithShape="1">
-          <a:blip r:embed="rId2">
-            <a:extLst>
-              <a:ext uri="{28A0092B-C50C-407E-A947-70E740481C1C}">
-                <a14:useLocalDpi xmlns:a14="http://schemas.microsoft.com/office/drawing/2010/main" val="0"/>
-              </a:ext>
-            </a:extLst>
-          </a:blip>
-          <a:srcRect b="16123"/>
+          <a:blip r:embed="rId2"/>
+          <a:srcRect t="12932" b="6540"/>
           <a:stretch/>
         </p:blipFill>
         <p:spPr>
           <a:xfrm>
-            <a:off x="4731487" y="-26278"/>
-            <a:ext cx="3572617" cy="5169778"/>
+            <a:off x="176695" y="781231"/>
+            <a:ext cx="8770656" cy="3970899"/>
           </a:xfrm>
           <a:prstGeom prst="rect">
             <a:avLst/>
@@ -5521,103 +5099,7 @@
     </p:spTree>
     <p:extLst>
       <p:ext uri="{BB962C8B-B14F-4D97-AF65-F5344CB8AC3E}">
-        <p14:creationId xmlns:p14="http://schemas.microsoft.com/office/powerpoint/2010/main" val="373006083"/>
-      </p:ext>
-    </p:extLst>
-  </p:cSld>
-  <p:clrMapOvr>
-    <a:masterClrMapping/>
-  </p:clrMapOvr>
-</p:sld>
-</file>
-
-<file path=ppt/slides/slide13.xml><?xml version="1.0" encoding="utf-8"?>
-<p:sld xmlns:a="http://schemas.openxmlformats.org/drawingml/2006/main" xmlns:r="http://schemas.openxmlformats.org/officeDocument/2006/relationships" xmlns:p="http://schemas.openxmlformats.org/presentationml/2006/main">
-  <p:cSld>
-    <p:spTree>
-      <p:nvGrpSpPr>
-        <p:cNvPr id="1" name=""/>
-        <p:cNvGrpSpPr/>
-        <p:nvPr/>
-      </p:nvGrpSpPr>
-      <p:grpSpPr>
-        <a:xfrm>
-          <a:off x="0" y="0"/>
-          <a:ext cx="0" cy="0"/>
-          <a:chOff x="0" y="0"/>
-          <a:chExt cx="0" cy="0"/>
-        </a:xfrm>
-      </p:grpSpPr>
-      <p:sp>
-        <p:nvSpPr>
-          <p:cNvPr id="2" name="Title 1">
-            <a:extLst>
-              <a:ext uri="{FF2B5EF4-FFF2-40B4-BE49-F238E27FC236}">
-                <a16:creationId xmlns:a16="http://schemas.microsoft.com/office/drawing/2014/main" id="{030F4E54-E8B8-1D86-BB80-8CB283F0CD22}"/>
-              </a:ext>
-            </a:extLst>
-          </p:cNvPr>
-          <p:cNvSpPr>
-            <a:spLocks noGrp="1"/>
-          </p:cNvSpPr>
-          <p:nvPr>
-            <p:ph type="ctrTitle"/>
-          </p:nvPr>
-        </p:nvSpPr>
-        <p:spPr/>
-        <p:txBody>
-          <a:bodyPr/>
-          <a:lstStyle/>
-          <a:p>
-            <a:r>
-              <a:rPr lang="en-GB" sz="3600" b="1" dirty="0"/>
-              <a:t>SCREEN LAYOUTS</a:t>
-            </a:r>
-          </a:p>
-        </p:txBody>
-      </p:sp>
-      <p:sp>
-        <p:nvSpPr>
-          <p:cNvPr id="4" name="Slide Number Placeholder 3">
-            <a:extLst>
-              <a:ext uri="{FF2B5EF4-FFF2-40B4-BE49-F238E27FC236}">
-                <a16:creationId xmlns:a16="http://schemas.microsoft.com/office/drawing/2014/main" id="{80CC5A08-DBE5-5C15-B465-D8FE0E1484E9}"/>
-              </a:ext>
-            </a:extLst>
-          </p:cNvPr>
-          <p:cNvSpPr>
-            <a:spLocks noGrp="1"/>
-          </p:cNvSpPr>
-          <p:nvPr>
-            <p:ph type="sldNum" idx="12"/>
-          </p:nvPr>
-        </p:nvSpPr>
-        <p:spPr/>
-        <p:txBody>
-          <a:bodyPr/>
-          <a:lstStyle/>
-          <a:p>
-            <a:pPr marL="0" lvl="0" indent="0" algn="r" rtl="0">
-              <a:spcBef>
-                <a:spcPts val="0"/>
-              </a:spcBef>
-              <a:spcAft>
-                <a:spcPts val="0"/>
-              </a:spcAft>
-              <a:buNone/>
-            </a:pPr>
-            <a:fld id="{00000000-1234-1234-1234-123412341234}" type="slidenum">
-              <a:rPr lang="en" smtClean="0"/>
-              <a:t>13</a:t>
-            </a:fld>
-            <a:endParaRPr lang="en"/>
-          </a:p>
-        </p:txBody>
-      </p:sp>
-    </p:spTree>
-    <p:extLst>
-      <p:ext uri="{BB962C8B-B14F-4D97-AF65-F5344CB8AC3E}">
-        <p14:creationId xmlns:p14="http://schemas.microsoft.com/office/powerpoint/2010/main" val="3542305535"/>
+        <p14:creationId xmlns:p14="http://schemas.microsoft.com/office/powerpoint/2010/main" val="1975592453"/>
       </p:ext>
     </p:extLst>
   </p:cSld>
@@ -5696,7 +5178,7 @@
         </p:nvSpPr>
         <p:spPr>
           <a:xfrm>
-            <a:off x="1605516" y="233918"/>
+            <a:off x="1584251" y="304237"/>
             <a:ext cx="5092996" cy="461665"/>
           </a:xfrm>
           <a:prstGeom prst="rect">
@@ -5717,17 +5199,17 @@
                 </a:solidFill>
                 <a:latin typeface="Quicksand" panose="020B0604020202020204" charset="0"/>
               </a:rPr>
-              <a:t>Home Screen</a:t>
+              <a:t>About Us</a:t>
             </a:r>
           </a:p>
         </p:txBody>
       </p:sp>
       <p:pic>
         <p:nvPicPr>
-          <p:cNvPr id="10" name="Picture 9">
+          <p:cNvPr id="5" name="Picture 4">
             <a:extLst>
               <a:ext uri="{FF2B5EF4-FFF2-40B4-BE49-F238E27FC236}">
-                <a16:creationId xmlns:a16="http://schemas.microsoft.com/office/drawing/2014/main" id="{9FD62361-E3D0-C9A0-AC5E-28B89BCDFFBE}"/>
+                <a16:creationId xmlns:a16="http://schemas.microsoft.com/office/drawing/2014/main" id="{22AEF317-0204-A162-5F92-0AE0958BB4E4}"/>
               </a:ext>
             </a:extLst>
           </p:cNvPr>
@@ -5738,13 +5220,13 @@
         </p:nvPicPr>
         <p:blipFill rotWithShape="1">
           <a:blip r:embed="rId2"/>
-          <a:srcRect t="12932" b="6540"/>
+          <a:srcRect t="14453" b="5095"/>
           <a:stretch/>
         </p:blipFill>
         <p:spPr>
           <a:xfrm>
-            <a:off x="176695" y="781231"/>
-            <a:ext cx="8770656" cy="3970899"/>
+            <a:off x="191386" y="876336"/>
+            <a:ext cx="8761228" cy="3962927"/>
           </a:xfrm>
           <a:prstGeom prst="rect">
             <a:avLst/>
@@ -5754,7 +5236,7 @@
     </p:spTree>
     <p:extLst>
       <p:ext uri="{BB962C8B-B14F-4D97-AF65-F5344CB8AC3E}">
-        <p14:creationId xmlns:p14="http://schemas.microsoft.com/office/powerpoint/2010/main" val="1975592453"/>
+        <p14:creationId xmlns:p14="http://schemas.microsoft.com/office/powerpoint/2010/main" val="2943385507"/>
       </p:ext>
     </p:extLst>
   </p:cSld>
@@ -5854,17 +5336,17 @@
                 </a:solidFill>
                 <a:latin typeface="Quicksand" panose="020B0604020202020204" charset="0"/>
               </a:rPr>
-              <a:t>About Us</a:t>
+              <a:t>Services</a:t>
             </a:r>
           </a:p>
         </p:txBody>
       </p:sp>
       <p:pic>
         <p:nvPicPr>
-          <p:cNvPr id="5" name="Picture 4">
+          <p:cNvPr id="6" name="Picture 5">
             <a:extLst>
               <a:ext uri="{FF2B5EF4-FFF2-40B4-BE49-F238E27FC236}">
-                <a16:creationId xmlns:a16="http://schemas.microsoft.com/office/drawing/2014/main" id="{22AEF317-0204-A162-5F92-0AE0958BB4E4}"/>
+                <a16:creationId xmlns:a16="http://schemas.microsoft.com/office/drawing/2014/main" id="{26C816B0-D68D-307D-A7D4-31998946ABE3}"/>
               </a:ext>
             </a:extLst>
           </p:cNvPr>
@@ -5875,13 +5357,13 @@
         </p:nvPicPr>
         <p:blipFill rotWithShape="1">
           <a:blip r:embed="rId2"/>
-          <a:srcRect t="14453" b="5095"/>
+          <a:srcRect t="13212" b="5893"/>
           <a:stretch/>
         </p:blipFill>
         <p:spPr>
           <a:xfrm>
-            <a:off x="191386" y="876336"/>
-            <a:ext cx="8761228" cy="3962927"/>
+            <a:off x="196702" y="772275"/>
+            <a:ext cx="8750595" cy="3979856"/>
           </a:xfrm>
           <a:prstGeom prst="rect">
             <a:avLst/>
@@ -5891,7 +5373,7 @@
     </p:spTree>
     <p:extLst>
       <p:ext uri="{BB962C8B-B14F-4D97-AF65-F5344CB8AC3E}">
-        <p14:creationId xmlns:p14="http://schemas.microsoft.com/office/powerpoint/2010/main" val="2943385507"/>
+        <p14:creationId xmlns:p14="http://schemas.microsoft.com/office/powerpoint/2010/main" val="3164185743"/>
       </p:ext>
     </p:extLst>
   </p:cSld>
@@ -5991,17 +5473,17 @@
                 </a:solidFill>
                 <a:latin typeface="Quicksand" panose="020B0604020202020204" charset="0"/>
               </a:rPr>
-              <a:t>Services</a:t>
+              <a:t>Team</a:t>
             </a:r>
           </a:p>
         </p:txBody>
       </p:sp>
       <p:pic>
         <p:nvPicPr>
-          <p:cNvPr id="6" name="Picture 5">
+          <p:cNvPr id="5" name="Picture 4">
             <a:extLst>
               <a:ext uri="{FF2B5EF4-FFF2-40B4-BE49-F238E27FC236}">
-                <a16:creationId xmlns:a16="http://schemas.microsoft.com/office/drawing/2014/main" id="{26C816B0-D68D-307D-A7D4-31998946ABE3}"/>
+                <a16:creationId xmlns:a16="http://schemas.microsoft.com/office/drawing/2014/main" id="{F6F4991D-C198-1E6D-08D7-3A04062DD96C}"/>
               </a:ext>
             </a:extLst>
           </p:cNvPr>
@@ -6012,13 +5494,13 @@
         </p:nvPicPr>
         <p:blipFill rotWithShape="1">
           <a:blip r:embed="rId2"/>
-          <a:srcRect t="13212" b="5893"/>
+          <a:srcRect t="14874" b="5893"/>
           <a:stretch/>
         </p:blipFill>
         <p:spPr>
           <a:xfrm>
-            <a:off x="196702" y="772275"/>
-            <a:ext cx="8750595" cy="3979856"/>
+            <a:off x="204508" y="948105"/>
+            <a:ext cx="8734983" cy="3891158"/>
           </a:xfrm>
           <a:prstGeom prst="rect">
             <a:avLst/>
@@ -6028,7 +5510,7 @@
     </p:spTree>
     <p:extLst>
       <p:ext uri="{BB962C8B-B14F-4D97-AF65-F5344CB8AC3E}">
-        <p14:creationId xmlns:p14="http://schemas.microsoft.com/office/powerpoint/2010/main" val="3164185743"/>
+        <p14:creationId xmlns:p14="http://schemas.microsoft.com/office/powerpoint/2010/main" val="1634292605"/>
       </p:ext>
     </p:extLst>
   </p:cSld>
@@ -6128,17 +5610,17 @@
                 </a:solidFill>
                 <a:latin typeface="Quicksand" panose="020B0604020202020204" charset="0"/>
               </a:rPr>
-              <a:t>Team</a:t>
+              <a:t>Shop</a:t>
             </a:r>
           </a:p>
         </p:txBody>
       </p:sp>
       <p:pic>
         <p:nvPicPr>
-          <p:cNvPr id="5" name="Picture 4">
+          <p:cNvPr id="6" name="Picture 5">
             <a:extLst>
               <a:ext uri="{FF2B5EF4-FFF2-40B4-BE49-F238E27FC236}">
-                <a16:creationId xmlns:a16="http://schemas.microsoft.com/office/drawing/2014/main" id="{F6F4991D-C198-1E6D-08D7-3A04062DD96C}"/>
+                <a16:creationId xmlns:a16="http://schemas.microsoft.com/office/drawing/2014/main" id="{8229C457-1816-B1B2-0EBF-8DF4FBDAF227}"/>
               </a:ext>
             </a:extLst>
           </p:cNvPr>
@@ -6149,13 +5631,13 @@
         </p:nvPicPr>
         <p:blipFill rotWithShape="1">
           <a:blip r:embed="rId2"/>
-          <a:srcRect t="14874" b="5893"/>
+          <a:srcRect t="14873" b="7588"/>
           <a:stretch/>
         </p:blipFill>
         <p:spPr>
           <a:xfrm>
-            <a:off x="204508" y="948105"/>
-            <a:ext cx="8734983" cy="3891158"/>
+            <a:off x="223283" y="960577"/>
+            <a:ext cx="8697433" cy="3791554"/>
           </a:xfrm>
           <a:prstGeom prst="rect">
             <a:avLst/>
@@ -6165,7 +5647,7 @@
     </p:spTree>
     <p:extLst>
       <p:ext uri="{BB962C8B-B14F-4D97-AF65-F5344CB8AC3E}">
-        <p14:creationId xmlns:p14="http://schemas.microsoft.com/office/powerpoint/2010/main" val="1634292605"/>
+        <p14:creationId xmlns:p14="http://schemas.microsoft.com/office/powerpoint/2010/main" val="3235239601"/>
       </p:ext>
     </p:extLst>
   </p:cSld>
@@ -6265,17 +5747,17 @@
                 </a:solidFill>
                 <a:latin typeface="Quicksand" panose="020B0604020202020204" charset="0"/>
               </a:rPr>
-              <a:t>Shop</a:t>
+              <a:t>Cart</a:t>
             </a:r>
           </a:p>
         </p:txBody>
       </p:sp>
       <p:pic>
         <p:nvPicPr>
-          <p:cNvPr id="6" name="Picture 5">
+          <p:cNvPr id="5" name="Picture 4">
             <a:extLst>
               <a:ext uri="{FF2B5EF4-FFF2-40B4-BE49-F238E27FC236}">
-                <a16:creationId xmlns:a16="http://schemas.microsoft.com/office/drawing/2014/main" id="{8229C457-1816-B1B2-0EBF-8DF4FBDAF227}"/>
+                <a16:creationId xmlns:a16="http://schemas.microsoft.com/office/drawing/2014/main" id="{C1871B41-0EA5-3EEC-B539-2A8A7D22F83A}"/>
               </a:ext>
             </a:extLst>
           </p:cNvPr>
@@ -6286,13 +5768,13 @@
         </p:nvPicPr>
         <p:blipFill rotWithShape="1">
           <a:blip r:embed="rId2"/>
-          <a:srcRect t="14873" b="7588"/>
+          <a:srcRect t="12592" b="5893"/>
           <a:stretch/>
         </p:blipFill>
         <p:spPr>
           <a:xfrm>
-            <a:off x="223283" y="960577"/>
-            <a:ext cx="8697433" cy="3791554"/>
+            <a:off x="187181" y="820157"/>
+            <a:ext cx="8769637" cy="4019106"/>
           </a:xfrm>
           <a:prstGeom prst="rect">
             <a:avLst/>
@@ -6302,7 +5784,7 @@
     </p:spTree>
     <p:extLst>
       <p:ext uri="{BB962C8B-B14F-4D97-AF65-F5344CB8AC3E}">
-        <p14:creationId xmlns:p14="http://schemas.microsoft.com/office/powerpoint/2010/main" val="3235239601"/>
+        <p14:creationId xmlns:p14="http://schemas.microsoft.com/office/powerpoint/2010/main" val="4228752764"/>
       </p:ext>
     </p:extLst>
   </p:cSld>
@@ -6409,10 +5891,10 @@
       </p:sp>
       <p:pic>
         <p:nvPicPr>
-          <p:cNvPr id="5" name="Picture 4">
+          <p:cNvPr id="6" name="Picture 5">
             <a:extLst>
               <a:ext uri="{FF2B5EF4-FFF2-40B4-BE49-F238E27FC236}">
-                <a16:creationId xmlns:a16="http://schemas.microsoft.com/office/drawing/2014/main" id="{C1871B41-0EA5-3EEC-B539-2A8A7D22F83A}"/>
+                <a16:creationId xmlns:a16="http://schemas.microsoft.com/office/drawing/2014/main" id="{0512B2B8-E01C-E9FF-B69A-1EA6DE418AB5}"/>
               </a:ext>
             </a:extLst>
           </p:cNvPr>
@@ -6423,13 +5905,13 @@
         </p:nvPicPr>
         <p:blipFill rotWithShape="1">
           <a:blip r:embed="rId2"/>
-          <a:srcRect t="12592" b="5893"/>
+          <a:srcRect t="12798" b="5893"/>
           <a:stretch/>
         </p:blipFill>
         <p:spPr>
           <a:xfrm>
-            <a:off x="187181" y="820157"/>
-            <a:ext cx="8769637" cy="4019106"/>
+            <a:off x="310420" y="855896"/>
+            <a:ext cx="8523157" cy="3896235"/>
           </a:xfrm>
           <a:prstGeom prst="rect">
             <a:avLst/>
@@ -6439,7 +5921,7 @@
     </p:spTree>
     <p:extLst>
       <p:ext uri="{BB962C8B-B14F-4D97-AF65-F5344CB8AC3E}">
-        <p14:creationId xmlns:p14="http://schemas.microsoft.com/office/powerpoint/2010/main" val="4228752764"/>
+        <p14:creationId xmlns:p14="http://schemas.microsoft.com/office/powerpoint/2010/main" val="1052714166"/>
       </p:ext>
     </p:extLst>
   </p:cSld>
@@ -6688,6 +6170,18 @@
               <a:t>PROJECT DESCRIPTION: </a:t>
             </a:r>
             <a:r>
+              <a:rPr lang="en-GB" sz="2000" b="0" i="0" dirty="0" err="1">
+                <a:solidFill>
+                  <a:schemeClr val="bg1">
+                    <a:lumMod val="85000"/>
+                  </a:schemeClr>
+                </a:solidFill>
+                <a:effectLst/>
+                <a:latin typeface="Söhne"/>
+              </a:rPr>
+              <a:t>Prayosha</a:t>
+            </a:r>
+            <a:r>
               <a:rPr lang="en-GB" sz="2000" b="0" i="0" dirty="0">
                 <a:solidFill>
                   <a:schemeClr val="bg1">
@@ -6697,7 +6191,31 @@
                 <a:effectLst/>
                 <a:latin typeface="Söhne"/>
               </a:rPr>
-              <a:t>Web app for Prayosha, a solar panel company, prevents SQL Injection attacks with parameterized queries, input validations, limited privileges, updates, firewalls, and user education. Ensures secure, reliable, error-free operations.</a:t>
+              <a:t> is a feature-rich online application for managing leads, customers, and projects for solar companies. </a:t>
+            </a:r>
+            <a:r>
+              <a:rPr lang="en-GB" sz="2000" b="0" i="0" dirty="0" err="1">
+                <a:solidFill>
+                  <a:schemeClr val="bg1">
+                    <a:lumMod val="85000"/>
+                  </a:schemeClr>
+                </a:solidFill>
+                <a:effectLst/>
+                <a:latin typeface="Söhne"/>
+              </a:rPr>
+              <a:t>Prayosha</a:t>
+            </a:r>
+            <a:r>
+              <a:rPr lang="en-GB" sz="2000" b="0" i="0" dirty="0">
+                <a:solidFill>
+                  <a:schemeClr val="bg1">
+                    <a:lumMod val="85000"/>
+                  </a:schemeClr>
+                </a:solidFill>
+                <a:effectLst/>
+                <a:latin typeface="Söhne"/>
+              </a:rPr>
+              <a:t> equips solar firms with the tools they need to fulfil their sustainability goals, including a flexible design, safe operations, and efficient procedures.</a:t>
             </a:r>
           </a:p>
           <a:p>
@@ -6978,17 +6496,17 @@
                 </a:solidFill>
                 <a:latin typeface="Quicksand" panose="020B0604020202020204" charset="0"/>
               </a:rPr>
-              <a:t>Cart</a:t>
+              <a:t>Payment</a:t>
             </a:r>
           </a:p>
         </p:txBody>
       </p:sp>
       <p:pic>
         <p:nvPicPr>
-          <p:cNvPr id="6" name="Picture 5">
+          <p:cNvPr id="5" name="Picture 4">
             <a:extLst>
               <a:ext uri="{FF2B5EF4-FFF2-40B4-BE49-F238E27FC236}">
-                <a16:creationId xmlns:a16="http://schemas.microsoft.com/office/drawing/2014/main" id="{0512B2B8-E01C-E9FF-B69A-1EA6DE418AB5}"/>
+                <a16:creationId xmlns:a16="http://schemas.microsoft.com/office/drawing/2014/main" id="{BA2504B9-2C06-B448-F916-44F726E68B4E}"/>
               </a:ext>
             </a:extLst>
           </p:cNvPr>
@@ -6999,13 +6517,13 @@
         </p:nvPicPr>
         <p:blipFill rotWithShape="1">
           <a:blip r:embed="rId2"/>
-          <a:srcRect t="12798" b="5893"/>
+          <a:srcRect t="13212" b="5893"/>
           <a:stretch/>
         </p:blipFill>
         <p:spPr>
           <a:xfrm>
-            <a:off x="310420" y="855896"/>
-            <a:ext cx="8523157" cy="3896235"/>
+            <a:off x="200308" y="862687"/>
+            <a:ext cx="8743384" cy="3976576"/>
           </a:xfrm>
           <a:prstGeom prst="rect">
             <a:avLst/>
@@ -7015,7 +6533,7 @@
     </p:spTree>
     <p:extLst>
       <p:ext uri="{BB962C8B-B14F-4D97-AF65-F5344CB8AC3E}">
-        <p14:creationId xmlns:p14="http://schemas.microsoft.com/office/powerpoint/2010/main" val="1052714166"/>
+        <p14:creationId xmlns:p14="http://schemas.microsoft.com/office/powerpoint/2010/main" val="3252067806"/>
       </p:ext>
     </p:extLst>
   </p:cSld>
@@ -7115,17 +6633,17 @@
                 </a:solidFill>
                 <a:latin typeface="Quicksand" panose="020B0604020202020204" charset="0"/>
               </a:rPr>
-              <a:t>Payment</a:t>
+              <a:t>Login </a:t>
             </a:r>
           </a:p>
         </p:txBody>
       </p:sp>
       <p:pic>
         <p:nvPicPr>
-          <p:cNvPr id="5" name="Picture 4">
+          <p:cNvPr id="6" name="Picture 5">
             <a:extLst>
               <a:ext uri="{FF2B5EF4-FFF2-40B4-BE49-F238E27FC236}">
-                <a16:creationId xmlns:a16="http://schemas.microsoft.com/office/drawing/2014/main" id="{BA2504B9-2C06-B448-F916-44F726E68B4E}"/>
+                <a16:creationId xmlns:a16="http://schemas.microsoft.com/office/drawing/2014/main" id="{F5224DBB-587D-33AA-E449-411F52D6FDE3}"/>
               </a:ext>
             </a:extLst>
           </p:cNvPr>
@@ -7136,13 +6654,13 @@
         </p:nvPicPr>
         <p:blipFill rotWithShape="1">
           <a:blip r:embed="rId2"/>
-          <a:srcRect t="13212" b="5893"/>
+          <a:srcRect t="14874" b="5893"/>
           <a:stretch/>
         </p:blipFill>
         <p:spPr>
           <a:xfrm>
-            <a:off x="200308" y="862687"/>
-            <a:ext cx="8743384" cy="3976576"/>
+            <a:off x="228600" y="882437"/>
+            <a:ext cx="8686800" cy="3869694"/>
           </a:xfrm>
           <a:prstGeom prst="rect">
             <a:avLst/>
@@ -7152,7 +6670,7 @@
     </p:spTree>
     <p:extLst>
       <p:ext uri="{BB962C8B-B14F-4D97-AF65-F5344CB8AC3E}">
-        <p14:creationId xmlns:p14="http://schemas.microsoft.com/office/powerpoint/2010/main" val="3252067806"/>
+        <p14:creationId xmlns:p14="http://schemas.microsoft.com/office/powerpoint/2010/main" val="670981542"/>
       </p:ext>
     </p:extLst>
   </p:cSld>
@@ -7252,143 +6770,6 @@
                 </a:solidFill>
                 <a:latin typeface="Quicksand" panose="020B0604020202020204" charset="0"/>
               </a:rPr>
-              <a:t>Login </a:t>
-            </a:r>
-          </a:p>
-        </p:txBody>
-      </p:sp>
-      <p:pic>
-        <p:nvPicPr>
-          <p:cNvPr id="6" name="Picture 5">
-            <a:extLst>
-              <a:ext uri="{FF2B5EF4-FFF2-40B4-BE49-F238E27FC236}">
-                <a16:creationId xmlns:a16="http://schemas.microsoft.com/office/drawing/2014/main" id="{F5224DBB-587D-33AA-E449-411F52D6FDE3}"/>
-              </a:ext>
-            </a:extLst>
-          </p:cNvPr>
-          <p:cNvPicPr>
-            <a:picLocks noChangeAspect="1"/>
-          </p:cNvPicPr>
-          <p:nvPr/>
-        </p:nvPicPr>
-        <p:blipFill rotWithShape="1">
-          <a:blip r:embed="rId2"/>
-          <a:srcRect t="14874" b="5893"/>
-          <a:stretch/>
-        </p:blipFill>
-        <p:spPr>
-          <a:xfrm>
-            <a:off x="228600" y="882437"/>
-            <a:ext cx="8686800" cy="3869694"/>
-          </a:xfrm>
-          <a:prstGeom prst="rect">
-            <a:avLst/>
-          </a:prstGeom>
-        </p:spPr>
-      </p:pic>
-    </p:spTree>
-    <p:extLst>
-      <p:ext uri="{BB962C8B-B14F-4D97-AF65-F5344CB8AC3E}">
-        <p14:creationId xmlns:p14="http://schemas.microsoft.com/office/powerpoint/2010/main" val="670981542"/>
-      </p:ext>
-    </p:extLst>
-  </p:cSld>
-  <p:clrMapOvr>
-    <a:masterClrMapping/>
-  </p:clrMapOvr>
-</p:sld>
-</file>
-
-<file path=ppt/slides/slide23.xml><?xml version="1.0" encoding="utf-8"?>
-<p:sld xmlns:a="http://schemas.openxmlformats.org/drawingml/2006/main" xmlns:r="http://schemas.openxmlformats.org/officeDocument/2006/relationships" xmlns:p="http://schemas.openxmlformats.org/presentationml/2006/main">
-  <p:cSld>
-    <p:spTree>
-      <p:nvGrpSpPr>
-        <p:cNvPr id="1" name=""/>
-        <p:cNvGrpSpPr/>
-        <p:nvPr/>
-      </p:nvGrpSpPr>
-      <p:grpSpPr>
-        <a:xfrm>
-          <a:off x="0" y="0"/>
-          <a:ext cx="0" cy="0"/>
-          <a:chOff x="0" y="0"/>
-          <a:chExt cx="0" cy="0"/>
-        </a:xfrm>
-      </p:grpSpPr>
-      <p:sp>
-        <p:nvSpPr>
-          <p:cNvPr id="2" name="Slide Number Placeholder 1">
-            <a:extLst>
-              <a:ext uri="{FF2B5EF4-FFF2-40B4-BE49-F238E27FC236}">
-                <a16:creationId xmlns:a16="http://schemas.microsoft.com/office/drawing/2014/main" id="{A6AB6AFE-0127-E693-F99D-E572E7DD5A9D}"/>
-              </a:ext>
-            </a:extLst>
-          </p:cNvPr>
-          <p:cNvSpPr>
-            <a:spLocks noGrp="1"/>
-          </p:cNvSpPr>
-          <p:nvPr>
-            <p:ph type="sldNum" idx="12"/>
-          </p:nvPr>
-        </p:nvSpPr>
-        <p:spPr/>
-        <p:txBody>
-          <a:bodyPr/>
-          <a:lstStyle/>
-          <a:p>
-            <a:pPr marL="0" lvl="0" indent="0" algn="r" rtl="0">
-              <a:spcBef>
-                <a:spcPts val="0"/>
-              </a:spcBef>
-              <a:spcAft>
-                <a:spcPts val="0"/>
-              </a:spcAft>
-              <a:buNone/>
-            </a:pPr>
-            <a:fld id="{00000000-1234-1234-1234-123412341234}" type="slidenum">
-              <a:rPr lang="en" smtClean="0"/>
-              <a:t>23</a:t>
-            </a:fld>
-            <a:endParaRPr lang="en"/>
-          </a:p>
-        </p:txBody>
-      </p:sp>
-      <p:sp>
-        <p:nvSpPr>
-          <p:cNvPr id="4" name="TextBox 3">
-            <a:extLst>
-              <a:ext uri="{FF2B5EF4-FFF2-40B4-BE49-F238E27FC236}">
-                <a16:creationId xmlns:a16="http://schemas.microsoft.com/office/drawing/2014/main" id="{5FE55C01-2F40-AD59-7F30-E7CA596D5242}"/>
-              </a:ext>
-            </a:extLst>
-          </p:cNvPr>
-          <p:cNvSpPr txBox="1"/>
-          <p:nvPr/>
-        </p:nvSpPr>
-        <p:spPr>
-          <a:xfrm>
-            <a:off x="1584251" y="304237"/>
-            <a:ext cx="5092996" cy="461665"/>
-          </a:xfrm>
-          <a:prstGeom prst="rect">
-            <a:avLst/>
-          </a:prstGeom>
-          <a:noFill/>
-        </p:spPr>
-        <p:txBody>
-          <a:bodyPr wrap="square" rtlCol="0">
-            <a:spAutoFit/>
-          </a:bodyPr>
-          <a:lstStyle/>
-          <a:p>
-            <a:r>
-              <a:rPr lang="en-GB" sz="2400" b="1" dirty="0">
-                <a:solidFill>
-                  <a:schemeClr val="accent1"/>
-                </a:solidFill>
-                <a:latin typeface="Quicksand" panose="020B0604020202020204" charset="0"/>
-              </a:rPr>
               <a:t>Registration </a:t>
             </a:r>
           </a:p>
@@ -7436,7 +6817,7 @@
 </p:sld>
 </file>
 
-<file path=ppt/slides/slide24.xml><?xml version="1.0" encoding="utf-8"?>
+<file path=ppt/slides/slide23.xml><?xml version="1.0" encoding="utf-8"?>
 <p:sld xmlns:a="http://schemas.openxmlformats.org/drawingml/2006/main" xmlns:r="http://schemas.openxmlformats.org/officeDocument/2006/relationships" xmlns:p="http://schemas.openxmlformats.org/presentationml/2006/main">
   <p:cSld>
     <p:spTree>
@@ -7485,7 +6866,7 @@
             </a:pPr>
             <a:fld id="{00000000-1234-1234-1234-123412341234}" type="slidenum">
               <a:rPr lang="en" smtClean="0"/>
-              <a:t>24</a:t>
+              <a:t>23</a:t>
             </a:fld>
             <a:endParaRPr lang="en"/>
           </a:p>
@@ -8788,7 +8169,7 @@
                 <a:effectLst/>
                 <a:latin typeface="Quicksand" panose="020B0604020202020204" charset="0"/>
               </a:rPr>
-              <a:t>Web apps pose security risks like SQL injections, data breaches, and data leaks, which can result in financial losses and damage to reputation. Fixing security flaws can be time-consuming and expensive, impacting business operations. Ensuring robust security measures is crucial for maintaining trust and safeguarding sensitive data in web apps</a:t>
+              <a:t>Web applications may suffer from challenges including poor user experiences, technological difficulties, security breaches, and data loss. Users may become irritated by challenging navigation, a crowded layout, sluggish loading times, and unresponsiveness. Performance and user confidence can be affected by bugs, crashes, and security breaches. It could take a long time and cost a lot of money to fix security problems in an established online project.</a:t>
             </a:r>
             <a:endParaRPr sz="2000" b="1" dirty="0">
               <a:solidFill>
@@ -8954,7 +8335,7 @@
         </p:nvSpPr>
         <p:spPr>
           <a:xfrm>
-            <a:off x="1332224" y="840495"/>
+            <a:off x="1332224" y="597150"/>
             <a:ext cx="6767100" cy="532200"/>
           </a:xfrm>
           <a:prstGeom prst="rect">
@@ -9000,7 +8381,7 @@
         </p:nvSpPr>
         <p:spPr>
           <a:xfrm>
-            <a:off x="1332225" y="1662436"/>
+            <a:off x="1332224" y="1321802"/>
             <a:ext cx="5185534" cy="3089695"/>
           </a:xfrm>
           <a:prstGeom prst="rect">
@@ -9025,7 +8406,7 @@
             </a:pPr>
             <a:r>
               <a:rPr lang="en-GB" dirty="0"/>
-              <a:t>Without SQL Injection flaws, secure design.</a:t>
+              <a:t>Strong defences against data breaches and theft.</a:t>
             </a:r>
           </a:p>
           <a:p>
@@ -9041,7 +8422,7 @@
             </a:pPr>
             <a:r>
               <a:rPr lang="en-GB" dirty="0"/>
-              <a:t>For data security, parameterized queries and input validation are used.</a:t>
+              <a:t>Comprehensive features that guarantee ease of use for solar firms.</a:t>
             </a:r>
           </a:p>
           <a:p>
@@ -9057,7 +8438,7 @@
             </a:pPr>
             <a:r>
               <a:rPr lang="en-GB" dirty="0"/>
-              <a:t>For security, routine software and database upgrades.</a:t>
+              <a:t>Navigation across the UI is quick and simple.</a:t>
             </a:r>
           </a:p>
           <a:p>
@@ -9073,7 +8454,7 @@
             </a:pPr>
             <a:r>
               <a:rPr lang="en-GB" dirty="0"/>
-              <a:t>A user-friendly design that satisfies their needs.</a:t>
+              <a:t>For optimum operation, ongoing assistance and maintenance are required.</a:t>
             </a:r>
           </a:p>
           <a:p>
@@ -9089,7 +8470,23 @@
             </a:pPr>
             <a:r>
               <a:rPr lang="en-GB" dirty="0"/>
-              <a:t>Extensible and scalable for growth in the future.</a:t>
+              <a:t>Sophisticated security measures for sensitive data.</a:t>
+            </a:r>
+          </a:p>
+          <a:p>
+            <a:pPr marL="285750" lvl="0" indent="-285750" algn="l" rtl="0">
+              <a:spcBef>
+                <a:spcPts val="0"/>
+              </a:spcBef>
+              <a:spcAft>
+                <a:spcPts val="0"/>
+              </a:spcAft>
+              <a:buFont typeface="Arial" panose="020B0604020202020204" pitchFamily="34" charset="0"/>
+              <a:buChar char="•"/>
+            </a:pPr>
+            <a:r>
+              <a:rPr lang="en-GB" dirty="0"/>
+              <a:t>Scalable and adaptable to changing business requirements.</a:t>
             </a:r>
             <a:endParaRPr dirty="0"/>
           </a:p>
@@ -9207,8 +8604,40 @@
         </p:blipFill>
         <p:spPr>
           <a:xfrm>
-            <a:off x="6346683" y="1209163"/>
-            <a:ext cx="2725174" cy="2725174"/>
+            <a:off x="6463931" y="1209163"/>
+            <a:ext cx="2607925" cy="2607925"/>
+          </a:xfrm>
+          <a:prstGeom prst="rect">
+            <a:avLst/>
+          </a:prstGeom>
+        </p:spPr>
+      </p:pic>
+      <p:pic>
+        <p:nvPicPr>
+          <p:cNvPr id="2" name="Picture 1">
+            <a:extLst>
+              <a:ext uri="{FF2B5EF4-FFF2-40B4-BE49-F238E27FC236}">
+                <a16:creationId xmlns:a16="http://schemas.microsoft.com/office/drawing/2014/main" id="{EF49B6C5-641B-AA7D-D09C-8873CD80D706}"/>
+              </a:ext>
+            </a:extLst>
+          </p:cNvPr>
+          <p:cNvPicPr>
+            <a:picLocks noChangeAspect="1"/>
+          </p:cNvPicPr>
+          <p:nvPr/>
+        </p:nvPicPr>
+        <p:blipFill>
+          <a:blip r:embed="rId4">
+            <a:lum bright="70000" contrast="-70000"/>
+          </a:blip>
+          <a:stretch>
+            <a:fillRect/>
+          </a:stretch>
+        </p:blipFill>
+        <p:spPr>
+          <a:xfrm>
+            <a:off x="-840647" y="527035"/>
+            <a:ext cx="672429" cy="672429"/>
           </a:xfrm>
           <a:prstGeom prst="rect">
             <a:avLst/>
@@ -9333,7 +8762,7 @@
             </a:pPr>
             <a:r>
               <a:rPr lang="en-GB" dirty="0"/>
-              <a:t>Users, profiles, and permissions are managed by the admin. manages user reports, creates invoices, and oversees payroll. plays a crucial part in system administration and user satisfaction.</a:t>
+              <a:t>The admin controls user profiles, permissions, and user accounts. Additionally, the admin handles user reporting and invoice creation. plays a critical role in user happiness and system administration.</a:t>
             </a:r>
           </a:p>
           <a:p>
@@ -9347,7 +8776,7 @@
             </a:pPr>
             <a:r>
               <a:rPr lang="en-GB" dirty="0"/>
-              <a:t>Users can view products, update their profiles, contact admin online, add items to carts, and make transactions using the web application after registering or logging in. Features that are simple to use for a flawless online buying experience.</a:t>
+              <a:t>After login in or registering, users may use the web application to see products, edit their profiles, contact admin online, add things to carts, and complete transactions. Easy-to-use features for a seamless online shopping experience.</a:t>
             </a:r>
             <a:endParaRPr dirty="0"/>
           </a:p>
@@ -9443,10 +8872,10 @@
       </p:sp>
       <p:pic>
         <p:nvPicPr>
-          <p:cNvPr id="3" name="Picture 2">
+          <p:cNvPr id="4" name="Picture 3">
             <a:extLst>
               <a:ext uri="{FF2B5EF4-FFF2-40B4-BE49-F238E27FC236}">
-                <a16:creationId xmlns:a16="http://schemas.microsoft.com/office/drawing/2014/main" id="{A8254655-67CC-BDE6-B22A-EF2BA9400A60}"/>
+                <a16:creationId xmlns:a16="http://schemas.microsoft.com/office/drawing/2014/main" id="{3BDED35E-F447-A524-B0B0-6C33C055DD45}"/>
               </a:ext>
             </a:extLst>
           </p:cNvPr>
@@ -9465,8 +8894,40 @@
         </p:blipFill>
         <p:spPr>
           <a:xfrm>
-            <a:off x="6346683" y="1209163"/>
-            <a:ext cx="2725174" cy="2725174"/>
+            <a:off x="6337426" y="1372695"/>
+            <a:ext cx="2276850" cy="2276850"/>
+          </a:xfrm>
+          <a:prstGeom prst="rect">
+            <a:avLst/>
+          </a:prstGeom>
+        </p:spPr>
+      </p:pic>
+      <p:pic>
+        <p:nvPicPr>
+          <p:cNvPr id="6" name="Picture 5">
+            <a:extLst>
+              <a:ext uri="{FF2B5EF4-FFF2-40B4-BE49-F238E27FC236}">
+                <a16:creationId xmlns:a16="http://schemas.microsoft.com/office/drawing/2014/main" id="{F81DE685-CAA8-6635-C702-AD6CA1C2C67A}"/>
+              </a:ext>
+            </a:extLst>
+          </p:cNvPr>
+          <p:cNvPicPr>
+            <a:picLocks noChangeAspect="1"/>
+          </p:cNvPicPr>
+          <p:nvPr/>
+        </p:nvPicPr>
+        <p:blipFill>
+          <a:blip r:embed="rId4">
+            <a:lum bright="70000" contrast="-70000"/>
+          </a:blip>
+          <a:stretch>
+            <a:fillRect/>
+          </a:stretch>
+        </p:blipFill>
+        <p:spPr>
+          <a:xfrm>
+            <a:off x="9512255" y="209289"/>
+            <a:ext cx="631206" cy="631206"/>
           </a:xfrm>
           <a:prstGeom prst="rect">
             <a:avLst/>
@@ -9503,7 +8964,7 @@
   <p:cSld>
     <p:spTree>
       <p:nvGrpSpPr>
-        <p:cNvPr id="1" name="Shape 101"/>
+        <p:cNvPr id="1" name=""/>
         <p:cNvGrpSpPr/>
         <p:nvPr/>
       </p:nvGrpSpPr>
@@ -9517,77 +8978,51 @@
       </p:grpSpPr>
       <p:sp>
         <p:nvSpPr>
-          <p:cNvPr id="102" name="Google Shape;102;p16"/>
-          <p:cNvSpPr txBox="1">
+          <p:cNvPr id="2" name="Title 1">
+            <a:extLst>
+              <a:ext uri="{FF2B5EF4-FFF2-40B4-BE49-F238E27FC236}">
+                <a16:creationId xmlns:a16="http://schemas.microsoft.com/office/drawing/2014/main" id="{030F4E54-E8B8-1D86-BB80-8CB283F0CD22}"/>
+              </a:ext>
+            </a:extLst>
+          </p:cNvPr>
+          <p:cNvSpPr>
             <a:spLocks noGrp="1"/>
           </p:cNvSpPr>
           <p:nvPr>
-            <p:ph type="body" idx="1"/>
+            <p:ph type="ctrTitle"/>
           </p:nvPr>
         </p:nvSpPr>
-        <p:spPr>
-          <a:xfrm>
-            <a:off x="1633225" y="2161800"/>
-            <a:ext cx="6700500" cy="819900"/>
-          </a:xfrm>
-          <a:prstGeom prst="rect">
-            <a:avLst/>
-          </a:prstGeom>
-        </p:spPr>
+        <p:spPr/>
         <p:txBody>
-          <a:bodyPr spcFirstLastPara="1" wrap="square" lIns="91425" tIns="91425" rIns="91425" bIns="91425" anchor="ctr" anchorCtr="0">
-            <a:noAutofit/>
-          </a:bodyPr>
+          <a:bodyPr/>
           <a:lstStyle/>
           <a:p>
-            <a:pPr marL="0" lvl="0" indent="0" algn="l" rtl="0">
-              <a:spcBef>
-                <a:spcPts val="600"/>
-              </a:spcBef>
-              <a:spcAft>
-                <a:spcPts val="0"/>
-              </a:spcAft>
-              <a:buNone/>
-            </a:pPr>
             <a:r>
-              <a:rPr lang="en" dirty="0">
-                <a:solidFill>
-                  <a:schemeClr val="accent1"/>
-                </a:solidFill>
-              </a:rPr>
-              <a:t>Quotations are commonly printed as a means of inspiration and to invoke philosophical thoughts from the reader.</a:t>
+              <a:rPr lang="en-GB" sz="3600" b="1" dirty="0"/>
+              <a:t>SYSTEM ANALYSIS</a:t>
             </a:r>
-            <a:endParaRPr dirty="0">
-              <a:solidFill>
-                <a:schemeClr val="accent1"/>
-              </a:solidFill>
-            </a:endParaRPr>
           </a:p>
         </p:txBody>
       </p:sp>
       <p:sp>
         <p:nvSpPr>
-          <p:cNvPr id="103" name="Google Shape;103;p16"/>
-          <p:cNvSpPr txBox="1">
+          <p:cNvPr id="4" name="Slide Number Placeholder 3">
+            <a:extLst>
+              <a:ext uri="{FF2B5EF4-FFF2-40B4-BE49-F238E27FC236}">
+                <a16:creationId xmlns:a16="http://schemas.microsoft.com/office/drawing/2014/main" id="{80CC5A08-DBE5-5C15-B465-D8FE0E1484E9}"/>
+              </a:ext>
+            </a:extLst>
+          </p:cNvPr>
+          <p:cNvSpPr>
             <a:spLocks noGrp="1"/>
           </p:cNvSpPr>
           <p:nvPr>
             <p:ph type="sldNum" idx="12"/>
           </p:nvPr>
         </p:nvSpPr>
-        <p:spPr>
-          <a:xfrm>
-            <a:off x="8523157" y="4752131"/>
-            <a:ext cx="548700" cy="315300"/>
-          </a:xfrm>
-          <a:prstGeom prst="rect">
-            <a:avLst/>
-          </a:prstGeom>
-        </p:spPr>
+        <p:spPr/>
         <p:txBody>
-          <a:bodyPr spcFirstLastPara="1" wrap="square" lIns="91425" tIns="91425" rIns="91425" bIns="91425" anchor="t" anchorCtr="0">
-            <a:noAutofit/>
-          </a:bodyPr>
+          <a:bodyPr/>
           <a:lstStyle/>
           <a:p>
             <a:pPr marL="0" lvl="0" indent="0" algn="r" rtl="0">
@@ -9600,18 +9035,67 @@
               <a:buNone/>
             </a:pPr>
             <a:fld id="{00000000-1234-1234-1234-123412341234}" type="slidenum">
-              <a:rPr lang="en"/>
+              <a:rPr lang="en" smtClean="0"/>
               <a:t>9</a:t>
             </a:fld>
-            <a:endParaRPr dirty="0"/>
+            <a:endParaRPr lang="en"/>
           </a:p>
         </p:txBody>
       </p:sp>
+      <p:pic>
+        <p:nvPicPr>
+          <p:cNvPr id="3" name="Picture 2">
+            <a:extLst>
+              <a:ext uri="{FF2B5EF4-FFF2-40B4-BE49-F238E27FC236}">
+                <a16:creationId xmlns:a16="http://schemas.microsoft.com/office/drawing/2014/main" id="{05A0C4C1-3FF1-45FB-A27F-5E84B070C7EF}"/>
+              </a:ext>
+            </a:extLst>
+          </p:cNvPr>
+          <p:cNvPicPr>
+            <a:picLocks noChangeAspect="1"/>
+          </p:cNvPicPr>
+          <p:nvPr/>
+        </p:nvPicPr>
+        <p:blipFill>
+          <a:blip r:embed="rId2">
+            <a:lum bright="70000" contrast="-70000"/>
+          </a:blip>
+          <a:stretch>
+            <a:fillRect/>
+          </a:stretch>
+        </p:blipFill>
+        <p:spPr>
+          <a:xfrm>
+            <a:off x="5971613" y="929191"/>
+            <a:ext cx="2757194" cy="2757194"/>
+          </a:xfrm>
+          <a:prstGeom prst="rect">
+            <a:avLst/>
+          </a:prstGeom>
+        </p:spPr>
+      </p:pic>
     </p:spTree>
+    <p:extLst>
+      <p:ext uri="{BB962C8B-B14F-4D97-AF65-F5344CB8AC3E}">
+        <p14:creationId xmlns:p14="http://schemas.microsoft.com/office/powerpoint/2010/main" val="724970531"/>
+      </p:ext>
+    </p:extLst>
   </p:cSld>
   <p:clrMapOvr>
     <a:masterClrMapping/>
   </p:clrMapOvr>
+  <mc:AlternateContent xmlns:mc="http://schemas.openxmlformats.org/markup-compatibility/2006">
+    <mc:Choice xmlns:p159="http://schemas.microsoft.com/office/powerpoint/2015/09/main" Requires="p159">
+      <p:transition xmlns:p14="http://schemas.microsoft.com/office/powerpoint/2010/main" spd="slow" p14:dur="2000">
+        <p159:morph option="byObject"/>
+      </p:transition>
+    </mc:Choice>
+    <mc:Fallback>
+      <p:transition spd="slow">
+        <p:fade/>
+      </p:transition>
+    </mc:Fallback>
+  </mc:AlternateContent>
 </p:sld>
 </file>
 

--- a/project.pptx
+++ b/project.pptx
@@ -5,7 +5,7 @@
     <p:sldMasterId id="2147483658" r:id="rId1"/>
   </p:sldMasterIdLst>
   <p:notesMasterIdLst>
-    <p:notesMasterId r:id="rId25"/>
+    <p:notesMasterId r:id="rId26"/>
   </p:notesMasterIdLst>
   <p:sldIdLst>
     <p:sldId id="256" r:id="rId2"/>
@@ -20,25 +20,26 @@
     <p:sldId id="295" r:id="rId11"/>
     <p:sldId id="301" r:id="rId12"/>
     <p:sldId id="302" r:id="rId13"/>
-    <p:sldId id="303" r:id="rId14"/>
-    <p:sldId id="304" r:id="rId15"/>
-    <p:sldId id="305" r:id="rId16"/>
-    <p:sldId id="306" r:id="rId17"/>
-    <p:sldId id="307" r:id="rId18"/>
-    <p:sldId id="308" r:id="rId19"/>
-    <p:sldId id="309" r:id="rId20"/>
-    <p:sldId id="310" r:id="rId21"/>
-    <p:sldId id="311" r:id="rId22"/>
-    <p:sldId id="312" r:id="rId23"/>
-    <p:sldId id="313" r:id="rId24"/>
+    <p:sldId id="311" r:id="rId14"/>
+    <p:sldId id="312" r:id="rId15"/>
+    <p:sldId id="303" r:id="rId16"/>
+    <p:sldId id="304" r:id="rId17"/>
+    <p:sldId id="305" r:id="rId18"/>
+    <p:sldId id="306" r:id="rId19"/>
+    <p:sldId id="307" r:id="rId20"/>
+    <p:sldId id="308" r:id="rId21"/>
+    <p:sldId id="309" r:id="rId22"/>
+    <p:sldId id="315" r:id="rId23"/>
+    <p:sldId id="316" r:id="rId24"/>
+    <p:sldId id="313" r:id="rId25"/>
   </p:sldIdLst>
   <p:sldSz cx="9144000" cy="5143500" type="screen16x9"/>
   <p:notesSz cx="6858000" cy="9144000"/>
   <p:embeddedFontLst>
     <p:embeddedFont>
       <p:font typeface="Quicksand" panose="020B0604020202020204" charset="0"/>
-      <p:regular r:id="rId26"/>
-      <p:bold r:id="rId27"/>
+      <p:regular r:id="rId27"/>
+      <p:bold r:id="rId28"/>
     </p:embeddedFont>
   </p:embeddedFontLst>
   <p:defaultTextStyle>
@@ -5041,7 +5042,7 @@
         </p:nvSpPr>
         <p:spPr>
           <a:xfrm>
-            <a:off x="1605516" y="233918"/>
+            <a:off x="1584251" y="304237"/>
             <a:ext cx="5092996" cy="461665"/>
           </a:xfrm>
           <a:prstGeom prst="rect">
@@ -5062,17 +5063,17 @@
                 </a:solidFill>
                 <a:latin typeface="Quicksand" panose="020B0604020202020204" charset="0"/>
               </a:rPr>
-              <a:t>Home Screen</a:t>
+              <a:t>Login </a:t>
             </a:r>
           </a:p>
         </p:txBody>
       </p:sp>
       <p:pic>
         <p:nvPicPr>
-          <p:cNvPr id="10" name="Picture 9">
+          <p:cNvPr id="6" name="Picture 5">
             <a:extLst>
               <a:ext uri="{FF2B5EF4-FFF2-40B4-BE49-F238E27FC236}">
-                <a16:creationId xmlns:a16="http://schemas.microsoft.com/office/drawing/2014/main" id="{9FD62361-E3D0-C9A0-AC5E-28B89BCDFFBE}"/>
+                <a16:creationId xmlns:a16="http://schemas.microsoft.com/office/drawing/2014/main" id="{F5224DBB-587D-33AA-E449-411F52D6FDE3}"/>
               </a:ext>
             </a:extLst>
           </p:cNvPr>
@@ -5083,13 +5084,13 @@
         </p:nvPicPr>
         <p:blipFill rotWithShape="1">
           <a:blip r:embed="rId2"/>
-          <a:srcRect t="12932" b="6540"/>
+          <a:srcRect t="14874" b="5893"/>
           <a:stretch/>
         </p:blipFill>
         <p:spPr>
           <a:xfrm>
-            <a:off x="176695" y="781231"/>
-            <a:ext cx="8770656" cy="3970899"/>
+            <a:off x="228600" y="882437"/>
+            <a:ext cx="8686800" cy="3869694"/>
           </a:xfrm>
           <a:prstGeom prst="rect">
             <a:avLst/>
@@ -5099,7 +5100,7 @@
     </p:spTree>
     <p:extLst>
       <p:ext uri="{BB962C8B-B14F-4D97-AF65-F5344CB8AC3E}">
-        <p14:creationId xmlns:p14="http://schemas.microsoft.com/office/powerpoint/2010/main" val="1975592453"/>
+        <p14:creationId xmlns:p14="http://schemas.microsoft.com/office/powerpoint/2010/main" val="670981542"/>
       </p:ext>
     </p:extLst>
   </p:cSld>
@@ -5199,7 +5200,7 @@
                 </a:solidFill>
                 <a:latin typeface="Quicksand" panose="020B0604020202020204" charset="0"/>
               </a:rPr>
-              <a:t>About Us</a:t>
+              <a:t>Registration </a:t>
             </a:r>
           </a:p>
         </p:txBody>
@@ -5209,7 +5210,7 @@
           <p:cNvPr id="5" name="Picture 4">
             <a:extLst>
               <a:ext uri="{FF2B5EF4-FFF2-40B4-BE49-F238E27FC236}">
-                <a16:creationId xmlns:a16="http://schemas.microsoft.com/office/drawing/2014/main" id="{22AEF317-0204-A162-5F92-0AE0958BB4E4}"/>
+                <a16:creationId xmlns:a16="http://schemas.microsoft.com/office/drawing/2014/main" id="{E955D889-E22F-978B-DB5E-F2A57F3EDE51}"/>
               </a:ext>
             </a:extLst>
           </p:cNvPr>
@@ -5220,13 +5221,13 @@
         </p:nvPicPr>
         <p:blipFill rotWithShape="1">
           <a:blip r:embed="rId2"/>
-          <a:srcRect t="14453" b="5095"/>
+          <a:srcRect t="14874" b="5893"/>
           <a:stretch/>
         </p:blipFill>
         <p:spPr>
           <a:xfrm>
-            <a:off x="191386" y="876336"/>
-            <a:ext cx="8761228" cy="3962927"/>
+            <a:off x="229600" y="935400"/>
+            <a:ext cx="8567907" cy="3816731"/>
           </a:xfrm>
           <a:prstGeom prst="rect">
             <a:avLst/>
@@ -5236,7 +5237,7 @@
     </p:spTree>
     <p:extLst>
       <p:ext uri="{BB962C8B-B14F-4D97-AF65-F5344CB8AC3E}">
-        <p14:creationId xmlns:p14="http://schemas.microsoft.com/office/powerpoint/2010/main" val="2943385507"/>
+        <p14:creationId xmlns:p14="http://schemas.microsoft.com/office/powerpoint/2010/main" val="2497176474"/>
       </p:ext>
     </p:extLst>
   </p:cSld>
@@ -5315,7 +5316,7 @@
         </p:nvSpPr>
         <p:spPr>
           <a:xfrm>
-            <a:off x="1584251" y="304237"/>
+            <a:off x="1605516" y="233918"/>
             <a:ext cx="5092996" cy="461665"/>
           </a:xfrm>
           <a:prstGeom prst="rect">
@@ -5336,17 +5337,17 @@
                 </a:solidFill>
                 <a:latin typeface="Quicksand" panose="020B0604020202020204" charset="0"/>
               </a:rPr>
-              <a:t>Services</a:t>
+              <a:t>Home Screen</a:t>
             </a:r>
           </a:p>
         </p:txBody>
       </p:sp>
       <p:pic>
         <p:nvPicPr>
-          <p:cNvPr id="6" name="Picture 5">
+          <p:cNvPr id="10" name="Picture 9">
             <a:extLst>
               <a:ext uri="{FF2B5EF4-FFF2-40B4-BE49-F238E27FC236}">
-                <a16:creationId xmlns:a16="http://schemas.microsoft.com/office/drawing/2014/main" id="{26C816B0-D68D-307D-A7D4-31998946ABE3}"/>
+                <a16:creationId xmlns:a16="http://schemas.microsoft.com/office/drawing/2014/main" id="{9FD62361-E3D0-C9A0-AC5E-28B89BCDFFBE}"/>
               </a:ext>
             </a:extLst>
           </p:cNvPr>
@@ -5357,13 +5358,13 @@
         </p:nvPicPr>
         <p:blipFill rotWithShape="1">
           <a:blip r:embed="rId2"/>
-          <a:srcRect t="13212" b="5893"/>
+          <a:srcRect t="12932" b="6540"/>
           <a:stretch/>
         </p:blipFill>
         <p:spPr>
           <a:xfrm>
-            <a:off x="196702" y="772275"/>
-            <a:ext cx="8750595" cy="3979856"/>
+            <a:off x="176695" y="781231"/>
+            <a:ext cx="8770656" cy="3970899"/>
           </a:xfrm>
           <a:prstGeom prst="rect">
             <a:avLst/>
@@ -5373,7 +5374,7 @@
     </p:spTree>
     <p:extLst>
       <p:ext uri="{BB962C8B-B14F-4D97-AF65-F5344CB8AC3E}">
-        <p14:creationId xmlns:p14="http://schemas.microsoft.com/office/powerpoint/2010/main" val="3164185743"/>
+        <p14:creationId xmlns:p14="http://schemas.microsoft.com/office/powerpoint/2010/main" val="1975592453"/>
       </p:ext>
     </p:extLst>
   </p:cSld>
@@ -5473,7 +5474,7 @@
                 </a:solidFill>
                 <a:latin typeface="Quicksand" panose="020B0604020202020204" charset="0"/>
               </a:rPr>
-              <a:t>Team</a:t>
+              <a:t>About Us</a:t>
             </a:r>
           </a:p>
         </p:txBody>
@@ -5483,7 +5484,7 @@
           <p:cNvPr id="5" name="Picture 4">
             <a:extLst>
               <a:ext uri="{FF2B5EF4-FFF2-40B4-BE49-F238E27FC236}">
-                <a16:creationId xmlns:a16="http://schemas.microsoft.com/office/drawing/2014/main" id="{F6F4991D-C198-1E6D-08D7-3A04062DD96C}"/>
+                <a16:creationId xmlns:a16="http://schemas.microsoft.com/office/drawing/2014/main" id="{22AEF317-0204-A162-5F92-0AE0958BB4E4}"/>
               </a:ext>
             </a:extLst>
           </p:cNvPr>
@@ -5494,13 +5495,13 @@
         </p:nvPicPr>
         <p:blipFill rotWithShape="1">
           <a:blip r:embed="rId2"/>
-          <a:srcRect t="14874" b="5893"/>
+          <a:srcRect t="14453" b="5095"/>
           <a:stretch/>
         </p:blipFill>
         <p:spPr>
           <a:xfrm>
-            <a:off x="204508" y="948105"/>
-            <a:ext cx="8734983" cy="3891158"/>
+            <a:off x="191386" y="876336"/>
+            <a:ext cx="8761228" cy="3962927"/>
           </a:xfrm>
           <a:prstGeom prst="rect">
             <a:avLst/>
@@ -5510,7 +5511,7 @@
     </p:spTree>
     <p:extLst>
       <p:ext uri="{BB962C8B-B14F-4D97-AF65-F5344CB8AC3E}">
-        <p14:creationId xmlns:p14="http://schemas.microsoft.com/office/powerpoint/2010/main" val="1634292605"/>
+        <p14:creationId xmlns:p14="http://schemas.microsoft.com/office/powerpoint/2010/main" val="2943385507"/>
       </p:ext>
     </p:extLst>
   </p:cSld>
@@ -5610,7 +5611,7 @@
                 </a:solidFill>
                 <a:latin typeface="Quicksand" panose="020B0604020202020204" charset="0"/>
               </a:rPr>
-              <a:t>Shop</a:t>
+              <a:t>Services</a:t>
             </a:r>
           </a:p>
         </p:txBody>
@@ -5620,7 +5621,7 @@
           <p:cNvPr id="6" name="Picture 5">
             <a:extLst>
               <a:ext uri="{FF2B5EF4-FFF2-40B4-BE49-F238E27FC236}">
-                <a16:creationId xmlns:a16="http://schemas.microsoft.com/office/drawing/2014/main" id="{8229C457-1816-B1B2-0EBF-8DF4FBDAF227}"/>
+                <a16:creationId xmlns:a16="http://schemas.microsoft.com/office/drawing/2014/main" id="{26C816B0-D68D-307D-A7D4-31998946ABE3}"/>
               </a:ext>
             </a:extLst>
           </p:cNvPr>
@@ -5631,13 +5632,13 @@
         </p:nvPicPr>
         <p:blipFill rotWithShape="1">
           <a:blip r:embed="rId2"/>
-          <a:srcRect t="14873" b="7588"/>
+          <a:srcRect t="13212" b="5893"/>
           <a:stretch/>
         </p:blipFill>
         <p:spPr>
           <a:xfrm>
-            <a:off x="223283" y="960577"/>
-            <a:ext cx="8697433" cy="3791554"/>
+            <a:off x="196702" y="772275"/>
+            <a:ext cx="8750595" cy="3979856"/>
           </a:xfrm>
           <a:prstGeom prst="rect">
             <a:avLst/>
@@ -5647,7 +5648,7 @@
     </p:spTree>
     <p:extLst>
       <p:ext uri="{BB962C8B-B14F-4D97-AF65-F5344CB8AC3E}">
-        <p14:creationId xmlns:p14="http://schemas.microsoft.com/office/powerpoint/2010/main" val="3235239601"/>
+        <p14:creationId xmlns:p14="http://schemas.microsoft.com/office/powerpoint/2010/main" val="3164185743"/>
       </p:ext>
     </p:extLst>
   </p:cSld>
@@ -5747,7 +5748,7 @@
                 </a:solidFill>
                 <a:latin typeface="Quicksand" panose="020B0604020202020204" charset="0"/>
               </a:rPr>
-              <a:t>Cart</a:t>
+              <a:t>Team</a:t>
             </a:r>
           </a:p>
         </p:txBody>
@@ -5757,7 +5758,7 @@
           <p:cNvPr id="5" name="Picture 4">
             <a:extLst>
               <a:ext uri="{FF2B5EF4-FFF2-40B4-BE49-F238E27FC236}">
-                <a16:creationId xmlns:a16="http://schemas.microsoft.com/office/drawing/2014/main" id="{C1871B41-0EA5-3EEC-B539-2A8A7D22F83A}"/>
+                <a16:creationId xmlns:a16="http://schemas.microsoft.com/office/drawing/2014/main" id="{F6F4991D-C198-1E6D-08D7-3A04062DD96C}"/>
               </a:ext>
             </a:extLst>
           </p:cNvPr>
@@ -5768,13 +5769,13 @@
         </p:nvPicPr>
         <p:blipFill rotWithShape="1">
           <a:blip r:embed="rId2"/>
-          <a:srcRect t="12592" b="5893"/>
+          <a:srcRect t="14874" b="5893"/>
           <a:stretch/>
         </p:blipFill>
         <p:spPr>
           <a:xfrm>
-            <a:off x="187181" y="820157"/>
-            <a:ext cx="8769637" cy="4019106"/>
+            <a:off x="204508" y="948105"/>
+            <a:ext cx="8734983" cy="3891158"/>
           </a:xfrm>
           <a:prstGeom prst="rect">
             <a:avLst/>
@@ -5784,7 +5785,7 @@
     </p:spTree>
     <p:extLst>
       <p:ext uri="{BB962C8B-B14F-4D97-AF65-F5344CB8AC3E}">
-        <p14:creationId xmlns:p14="http://schemas.microsoft.com/office/powerpoint/2010/main" val="4228752764"/>
+        <p14:creationId xmlns:p14="http://schemas.microsoft.com/office/powerpoint/2010/main" val="1634292605"/>
       </p:ext>
     </p:extLst>
   </p:cSld>
@@ -5884,7 +5885,7 @@
                 </a:solidFill>
                 <a:latin typeface="Quicksand" panose="020B0604020202020204" charset="0"/>
               </a:rPr>
-              <a:t>Cart</a:t>
+              <a:t>Shop</a:t>
             </a:r>
           </a:p>
         </p:txBody>
@@ -5894,7 +5895,7 @@
           <p:cNvPr id="6" name="Picture 5">
             <a:extLst>
               <a:ext uri="{FF2B5EF4-FFF2-40B4-BE49-F238E27FC236}">
-                <a16:creationId xmlns:a16="http://schemas.microsoft.com/office/drawing/2014/main" id="{0512B2B8-E01C-E9FF-B69A-1EA6DE418AB5}"/>
+                <a16:creationId xmlns:a16="http://schemas.microsoft.com/office/drawing/2014/main" id="{8229C457-1816-B1B2-0EBF-8DF4FBDAF227}"/>
               </a:ext>
             </a:extLst>
           </p:cNvPr>
@@ -5905,13 +5906,13 @@
         </p:nvPicPr>
         <p:blipFill rotWithShape="1">
           <a:blip r:embed="rId2"/>
-          <a:srcRect t="12798" b="5893"/>
+          <a:srcRect t="14873" b="7588"/>
           <a:stretch/>
         </p:blipFill>
         <p:spPr>
           <a:xfrm>
-            <a:off x="310420" y="855896"/>
-            <a:ext cx="8523157" cy="3896235"/>
+            <a:off x="223283" y="960577"/>
+            <a:ext cx="8697433" cy="3791554"/>
           </a:xfrm>
           <a:prstGeom prst="rect">
             <a:avLst/>
@@ -5921,7 +5922,7 @@
     </p:spTree>
     <p:extLst>
       <p:ext uri="{BB962C8B-B14F-4D97-AF65-F5344CB8AC3E}">
-        <p14:creationId xmlns:p14="http://schemas.microsoft.com/office/powerpoint/2010/main" val="1052714166"/>
+        <p14:creationId xmlns:p14="http://schemas.microsoft.com/office/powerpoint/2010/main" val="3235239601"/>
       </p:ext>
     </p:extLst>
   </p:cSld>
@@ -6496,7 +6497,7 @@
                 </a:solidFill>
                 <a:latin typeface="Quicksand" panose="020B0604020202020204" charset="0"/>
               </a:rPr>
-              <a:t>Payment</a:t>
+              <a:t>Cart</a:t>
             </a:r>
           </a:p>
         </p:txBody>
@@ -6506,7 +6507,7 @@
           <p:cNvPr id="5" name="Picture 4">
             <a:extLst>
               <a:ext uri="{FF2B5EF4-FFF2-40B4-BE49-F238E27FC236}">
-                <a16:creationId xmlns:a16="http://schemas.microsoft.com/office/drawing/2014/main" id="{BA2504B9-2C06-B448-F916-44F726E68B4E}"/>
+                <a16:creationId xmlns:a16="http://schemas.microsoft.com/office/drawing/2014/main" id="{C1871B41-0EA5-3EEC-B539-2A8A7D22F83A}"/>
               </a:ext>
             </a:extLst>
           </p:cNvPr>
@@ -6517,13 +6518,13 @@
         </p:nvPicPr>
         <p:blipFill rotWithShape="1">
           <a:blip r:embed="rId2"/>
-          <a:srcRect t="13212" b="5893"/>
+          <a:srcRect t="12592" b="5893"/>
           <a:stretch/>
         </p:blipFill>
         <p:spPr>
           <a:xfrm>
-            <a:off x="200308" y="862687"/>
-            <a:ext cx="8743384" cy="3976576"/>
+            <a:off x="187181" y="820157"/>
+            <a:ext cx="8769637" cy="4019106"/>
           </a:xfrm>
           <a:prstGeom prst="rect">
             <a:avLst/>
@@ -6533,7 +6534,7 @@
     </p:spTree>
     <p:extLst>
       <p:ext uri="{BB962C8B-B14F-4D97-AF65-F5344CB8AC3E}">
-        <p14:creationId xmlns:p14="http://schemas.microsoft.com/office/powerpoint/2010/main" val="3252067806"/>
+        <p14:creationId xmlns:p14="http://schemas.microsoft.com/office/powerpoint/2010/main" val="4228752764"/>
       </p:ext>
     </p:extLst>
   </p:cSld>
@@ -6633,17 +6634,17 @@
                 </a:solidFill>
                 <a:latin typeface="Quicksand" panose="020B0604020202020204" charset="0"/>
               </a:rPr>
-              <a:t>Login </a:t>
+              <a:t>Calculator</a:t>
             </a:r>
           </a:p>
         </p:txBody>
       </p:sp>
       <p:pic>
         <p:nvPicPr>
-          <p:cNvPr id="6" name="Picture 5">
+          <p:cNvPr id="8" name="Picture 7">
             <a:extLst>
               <a:ext uri="{FF2B5EF4-FFF2-40B4-BE49-F238E27FC236}">
-                <a16:creationId xmlns:a16="http://schemas.microsoft.com/office/drawing/2014/main" id="{F5224DBB-587D-33AA-E449-411F52D6FDE3}"/>
+                <a16:creationId xmlns:a16="http://schemas.microsoft.com/office/drawing/2014/main" id="{9CD1B537-D2BF-9507-3067-E269BD763F7A}"/>
               </a:ext>
             </a:extLst>
           </p:cNvPr>
@@ -6654,13 +6655,13 @@
         </p:nvPicPr>
         <p:blipFill rotWithShape="1">
           <a:blip r:embed="rId2"/>
-          <a:srcRect t="14874" b="5893"/>
+          <a:srcRect t="13005" b="5893"/>
           <a:stretch/>
         </p:blipFill>
         <p:spPr>
           <a:xfrm>
-            <a:off x="228600" y="882437"/>
-            <a:ext cx="8686800" cy="3869694"/>
+            <a:off x="170121" y="974088"/>
+            <a:ext cx="8803758" cy="4014271"/>
           </a:xfrm>
           <a:prstGeom prst="rect">
             <a:avLst/>
@@ -6670,7 +6671,7 @@
     </p:spTree>
     <p:extLst>
       <p:ext uri="{BB962C8B-B14F-4D97-AF65-F5344CB8AC3E}">
-        <p14:creationId xmlns:p14="http://schemas.microsoft.com/office/powerpoint/2010/main" val="670981542"/>
+        <p14:creationId xmlns:p14="http://schemas.microsoft.com/office/powerpoint/2010/main" val="1052714166"/>
       </p:ext>
     </p:extLst>
   </p:cSld>
@@ -6770,7 +6771,7 @@
                 </a:solidFill>
                 <a:latin typeface="Quicksand" panose="020B0604020202020204" charset="0"/>
               </a:rPr>
-              <a:t>Registration </a:t>
+              <a:t>Admin Login Page</a:t>
             </a:r>
           </a:p>
         </p:txBody>
@@ -6780,7 +6781,7 @@
           <p:cNvPr id="5" name="Picture 4">
             <a:extLst>
               <a:ext uri="{FF2B5EF4-FFF2-40B4-BE49-F238E27FC236}">
-                <a16:creationId xmlns:a16="http://schemas.microsoft.com/office/drawing/2014/main" id="{E955D889-E22F-978B-DB5E-F2A57F3EDE51}"/>
+                <a16:creationId xmlns:a16="http://schemas.microsoft.com/office/drawing/2014/main" id="{F6A50CED-3E89-E1F8-AAE3-E60D81C13EA3}"/>
               </a:ext>
             </a:extLst>
           </p:cNvPr>
@@ -6791,13 +6792,13 @@
         </p:nvPicPr>
         <p:blipFill rotWithShape="1">
           <a:blip r:embed="rId2"/>
-          <a:srcRect t="14874" b="5893"/>
+          <a:srcRect t="12382" b="5916"/>
           <a:stretch/>
         </p:blipFill>
         <p:spPr>
           <a:xfrm>
-            <a:off x="229600" y="935400"/>
-            <a:ext cx="8567907" cy="3816731"/>
+            <a:off x="205380" y="897199"/>
+            <a:ext cx="8733240" cy="4012582"/>
           </a:xfrm>
           <a:prstGeom prst="rect">
             <a:avLst/>
@@ -6807,7 +6808,7 @@
     </p:spTree>
     <p:extLst>
       <p:ext uri="{BB962C8B-B14F-4D97-AF65-F5344CB8AC3E}">
-        <p14:creationId xmlns:p14="http://schemas.microsoft.com/office/powerpoint/2010/main" val="2497176474"/>
+        <p14:creationId xmlns:p14="http://schemas.microsoft.com/office/powerpoint/2010/main" val="973152853"/>
       </p:ext>
     </p:extLst>
   </p:cSld>
@@ -6818,6 +6819,114 @@
 </file>
 
 <file path=ppt/slides/slide23.xml><?xml version="1.0" encoding="utf-8"?>
+<p:sld xmlns:a="http://schemas.openxmlformats.org/drawingml/2006/main" xmlns:r="http://schemas.openxmlformats.org/officeDocument/2006/relationships" xmlns:p="http://schemas.openxmlformats.org/presentationml/2006/main">
+  <p:cSld>
+    <p:spTree>
+      <p:nvGrpSpPr>
+        <p:cNvPr id="1" name=""/>
+        <p:cNvGrpSpPr/>
+        <p:nvPr/>
+      </p:nvGrpSpPr>
+      <p:grpSpPr>
+        <a:xfrm>
+          <a:off x="0" y="0"/>
+          <a:ext cx="0" cy="0"/>
+          <a:chOff x="0" y="0"/>
+          <a:chExt cx="0" cy="0"/>
+        </a:xfrm>
+      </p:grpSpPr>
+      <p:sp>
+        <p:nvSpPr>
+          <p:cNvPr id="2" name="Slide Number Placeholder 1">
+            <a:extLst>
+              <a:ext uri="{FF2B5EF4-FFF2-40B4-BE49-F238E27FC236}">
+                <a16:creationId xmlns:a16="http://schemas.microsoft.com/office/drawing/2014/main" id="{A6AB6AFE-0127-E693-F99D-E572E7DD5A9D}"/>
+              </a:ext>
+            </a:extLst>
+          </p:cNvPr>
+          <p:cNvSpPr>
+            <a:spLocks noGrp="1"/>
+          </p:cNvSpPr>
+          <p:nvPr>
+            <p:ph type="sldNum" idx="12"/>
+          </p:nvPr>
+        </p:nvSpPr>
+        <p:spPr/>
+        <p:txBody>
+          <a:bodyPr/>
+          <a:lstStyle/>
+          <a:p>
+            <a:pPr marL="0" lvl="0" indent="0" algn="r" rtl="0">
+              <a:spcBef>
+                <a:spcPts val="0"/>
+              </a:spcBef>
+              <a:spcAft>
+                <a:spcPts val="0"/>
+              </a:spcAft>
+              <a:buNone/>
+            </a:pPr>
+            <a:fld id="{00000000-1234-1234-1234-123412341234}" type="slidenum">
+              <a:rPr lang="en" smtClean="0"/>
+              <a:t>23</a:t>
+            </a:fld>
+            <a:endParaRPr lang="en"/>
+          </a:p>
+        </p:txBody>
+      </p:sp>
+      <p:sp>
+        <p:nvSpPr>
+          <p:cNvPr id="4" name="TextBox 3">
+            <a:extLst>
+              <a:ext uri="{FF2B5EF4-FFF2-40B4-BE49-F238E27FC236}">
+                <a16:creationId xmlns:a16="http://schemas.microsoft.com/office/drawing/2014/main" id="{5FE55C01-2F40-AD59-7F30-E7CA596D5242}"/>
+              </a:ext>
+            </a:extLst>
+          </p:cNvPr>
+          <p:cNvSpPr txBox="1"/>
+          <p:nvPr/>
+        </p:nvSpPr>
+        <p:spPr>
+          <a:xfrm>
+            <a:off x="1584251" y="304237"/>
+            <a:ext cx="5092996" cy="461665"/>
+          </a:xfrm>
+          <a:prstGeom prst="rect">
+            <a:avLst/>
+          </a:prstGeom>
+          <a:noFill/>
+        </p:spPr>
+        <p:txBody>
+          <a:bodyPr wrap="square" rtlCol="0">
+            <a:spAutoFit/>
+          </a:bodyPr>
+          <a:lstStyle/>
+          <a:p>
+            <a:r>
+              <a:rPr lang="en-GB" sz="2400" b="1" dirty="0">
+                <a:solidFill>
+                  <a:schemeClr val="accent1"/>
+                </a:solidFill>
+                <a:latin typeface="Quicksand" panose="020B0604020202020204" charset="0"/>
+              </a:rPr>
+              <a:t>Admin side Dashboard</a:t>
+            </a:r>
+          </a:p>
+        </p:txBody>
+      </p:sp>
+    </p:spTree>
+    <p:extLst>
+      <p:ext uri="{BB962C8B-B14F-4D97-AF65-F5344CB8AC3E}">
+        <p14:creationId xmlns:p14="http://schemas.microsoft.com/office/powerpoint/2010/main" val="3434885754"/>
+      </p:ext>
+    </p:extLst>
+  </p:cSld>
+  <p:clrMapOvr>
+    <a:masterClrMapping/>
+  </p:clrMapOvr>
+</p:sld>
+</file>
+
+<file path=ppt/slides/slide24.xml><?xml version="1.0" encoding="utf-8"?>
 <p:sld xmlns:a="http://schemas.openxmlformats.org/drawingml/2006/main" xmlns:r="http://schemas.openxmlformats.org/officeDocument/2006/relationships" xmlns:p="http://schemas.openxmlformats.org/presentationml/2006/main">
   <p:cSld>
     <p:spTree>
@@ -6866,7 +6975,7 @@
             </a:pPr>
             <a:fld id="{00000000-1234-1234-1234-123412341234}" type="slidenum">
               <a:rPr lang="en" smtClean="0"/>
-              <a:t>23</a:t>
+              <a:t>24</a:t>
             </a:fld>
             <a:endParaRPr lang="en"/>
           </a:p>
@@ -9084,13 +9193,13 @@
   <p:clrMapOvr>
     <a:masterClrMapping/>
   </p:clrMapOvr>
-  <mc:AlternateContent xmlns:mc="http://schemas.openxmlformats.org/markup-compatibility/2006">
-    <mc:Choice xmlns:p159="http://schemas.microsoft.com/office/powerpoint/2015/09/main" Requires="p159">
+  <mc:AlternateContent xmlns:mc="http://schemas.openxmlformats.org/markup-compatibility/2006" xmlns:p159="http://schemas.microsoft.com/office/powerpoint/2015/09/main">
+    <mc:Choice Requires="p159">
       <p:transition xmlns:p14="http://schemas.microsoft.com/office/powerpoint/2010/main" spd="slow" p14:dur="2000">
         <p159:morph option="byObject"/>
       </p:transition>
     </mc:Choice>
-    <mc:Fallback>
+    <mc:Fallback xmlns="">
       <p:transition spd="slow">
         <p:fade/>
       </p:transition>
